--- a/SVAI Hackathon  Predicting NF2 with neural crest data.pptx
+++ b/SVAI Hackathon  Predicting NF2 with neural crest data.pptx
@@ -15,11 +15,6 @@
     <p:sldId id="260" r:id="rId9"/>
     <p:sldId id="261" r:id="rId10"/>
     <p:sldId id="262" r:id="rId11"/>
-    <p:sldId id="263" r:id="rId12"/>
-    <p:sldId id="264" r:id="rId13"/>
-    <p:sldId id="265" r:id="rId14"/>
-    <p:sldId id="266" r:id="rId15"/>
-    <p:sldId id="267" r:id="rId16"/>
   </p:sldIdLst>
   <p:sldSz cy="5143500" cx="9144000"/>
   <p:notesSz cx="6858000" cy="9144000"/>
@@ -472,291 +467,6 @@
 </p:notes>
 </file>
 
-<file path=ppt/notesSlides/notesSlide10.xml><?xml version="1.0" encoding="utf-8"?>
-<p:notes xmlns:a="http://schemas.openxmlformats.org/drawingml/2006/main" xmlns:r="http://schemas.openxmlformats.org/officeDocument/2006/relationships" xmlns:mc="http://schemas.openxmlformats.org/markup-compatibility/2006" xmlns:mv="urn:schemas-microsoft-com:mac:vml" xmlns:p="http://schemas.openxmlformats.org/presentationml/2006/main" xmlns:c="http://schemas.openxmlformats.org/drawingml/2006/chart" xmlns:dgm="http://schemas.openxmlformats.org/drawingml/2006/diagram" xmlns:o="urn:schemas-microsoft-com:office:office" xmlns:v="urn:schemas-microsoft-com:vml" xmlns:pvml="urn:schemas-microsoft-com:office:powerpoint" xmlns:com="http://schemas.openxmlformats.org/drawingml/2006/compatibility" xmlns:p14="http://schemas.microsoft.com/office/powerpoint/2010/main" showMasterPhAnim="0" showMasterSp="0">
-  <p:cSld>
-    <p:spTree>
-      <p:nvGrpSpPr>
-        <p:cNvPr id="132" name="Shape 132"/>
-        <p:cNvGrpSpPr/>
-        <p:nvPr/>
-      </p:nvGrpSpPr>
-      <p:grpSpPr>
-        <a:xfrm>
-          <a:off x="0" y="0"/>
-          <a:ext cx="0" cy="0"/>
-          <a:chOff x="0" y="0"/>
-          <a:chExt cx="0" cy="0"/>
-        </a:xfrm>
-      </p:grpSpPr>
-      <p:sp>
-        <p:nvSpPr>
-          <p:cNvPr id="133" name="Shape 133"/>
-          <p:cNvSpPr/>
-          <p:nvPr>
-            <p:ph idx="2" type="sldImg"/>
-          </p:nvPr>
-        </p:nvSpPr>
-        <p:spPr>
-          <a:xfrm>
-            <a:off x="381300" y="685800"/>
-            <a:ext cx="6096000" cy="3429000"/>
-          </a:xfrm>
-          <a:custGeom>
-            <a:pathLst>
-              <a:path extrusionOk="0" h="120000" w="120000">
-                <a:moveTo>
-                  <a:pt x="0" y="0"/>
-                </a:moveTo>
-                <a:lnTo>
-                  <a:pt x="120000" y="0"/>
-                </a:lnTo>
-                <a:lnTo>
-                  <a:pt x="120000" y="120000"/>
-                </a:lnTo>
-                <a:lnTo>
-                  <a:pt x="0" y="120000"/>
-                </a:lnTo>
-                <a:close/>
-              </a:path>
-            </a:pathLst>
-          </a:custGeom>
-        </p:spPr>
-      </p:sp>
-      <p:sp>
-        <p:nvSpPr>
-          <p:cNvPr id="134" name="Shape 134"/>
-          <p:cNvSpPr txBox="1"/>
-          <p:nvPr>
-            <p:ph idx="1" type="body"/>
-          </p:nvPr>
-        </p:nvSpPr>
-        <p:spPr>
-          <a:xfrm>
-            <a:off x="685800" y="4343400"/>
-            <a:ext cx="5486400" cy="4114800"/>
-          </a:xfrm>
-          <a:prstGeom prst="rect">
-            <a:avLst/>
-          </a:prstGeom>
-        </p:spPr>
-        <p:txBody>
-          <a:bodyPr anchorCtr="0" anchor="t" bIns="91425" lIns="91425" rIns="91425" tIns="91425">
-            <a:noAutofit/>
-          </a:bodyPr>
-          <a:lstStyle/>
-          <a:p>
-            <a:pPr lvl="0">
-              <a:spcBef>
-                <a:spcPts val="0"/>
-              </a:spcBef>
-              <a:buNone/>
-            </a:pPr>
-            <a:r>
-              <a:t/>
-            </a:r>
-            <a:endParaRPr/>
-          </a:p>
-        </p:txBody>
-      </p:sp>
-    </p:spTree>
-  </p:cSld>
-  <p:clrMapOvr>
-    <a:masterClrMapping/>
-  </p:clrMapOvr>
-</p:notes>
-</file>
-
-<file path=ppt/notesSlides/notesSlide11.xml><?xml version="1.0" encoding="utf-8"?>
-<p:notes xmlns:a="http://schemas.openxmlformats.org/drawingml/2006/main" xmlns:r="http://schemas.openxmlformats.org/officeDocument/2006/relationships" xmlns:mc="http://schemas.openxmlformats.org/markup-compatibility/2006" xmlns:mv="urn:schemas-microsoft-com:mac:vml" xmlns:p="http://schemas.openxmlformats.org/presentationml/2006/main" xmlns:c="http://schemas.openxmlformats.org/drawingml/2006/chart" xmlns:dgm="http://schemas.openxmlformats.org/drawingml/2006/diagram" xmlns:o="urn:schemas-microsoft-com:office:office" xmlns:v="urn:schemas-microsoft-com:vml" xmlns:pvml="urn:schemas-microsoft-com:office:powerpoint" xmlns:com="http://schemas.openxmlformats.org/drawingml/2006/compatibility" xmlns:p14="http://schemas.microsoft.com/office/powerpoint/2010/main" showMasterPhAnim="0" showMasterSp="0">
-  <p:cSld>
-    <p:spTree>
-      <p:nvGrpSpPr>
-        <p:cNvPr id="146" name="Shape 146"/>
-        <p:cNvGrpSpPr/>
-        <p:nvPr/>
-      </p:nvGrpSpPr>
-      <p:grpSpPr>
-        <a:xfrm>
-          <a:off x="0" y="0"/>
-          <a:ext cx="0" cy="0"/>
-          <a:chOff x="0" y="0"/>
-          <a:chExt cx="0" cy="0"/>
-        </a:xfrm>
-      </p:grpSpPr>
-      <p:sp>
-        <p:nvSpPr>
-          <p:cNvPr id="147" name="Shape 147"/>
-          <p:cNvSpPr/>
-          <p:nvPr>
-            <p:ph idx="2" type="sldImg"/>
-          </p:nvPr>
-        </p:nvSpPr>
-        <p:spPr>
-          <a:xfrm>
-            <a:off x="381300" y="685800"/>
-            <a:ext cx="6096000" cy="3429000"/>
-          </a:xfrm>
-          <a:custGeom>
-            <a:pathLst>
-              <a:path extrusionOk="0" h="120000" w="120000">
-                <a:moveTo>
-                  <a:pt x="0" y="0"/>
-                </a:moveTo>
-                <a:lnTo>
-                  <a:pt x="120000" y="0"/>
-                </a:lnTo>
-                <a:lnTo>
-                  <a:pt x="120000" y="120000"/>
-                </a:lnTo>
-                <a:lnTo>
-                  <a:pt x="0" y="120000"/>
-                </a:lnTo>
-                <a:close/>
-              </a:path>
-            </a:pathLst>
-          </a:custGeom>
-        </p:spPr>
-      </p:sp>
-      <p:sp>
-        <p:nvSpPr>
-          <p:cNvPr id="148" name="Shape 148"/>
-          <p:cNvSpPr txBox="1"/>
-          <p:nvPr>
-            <p:ph idx="1" type="body"/>
-          </p:nvPr>
-        </p:nvSpPr>
-        <p:spPr>
-          <a:xfrm>
-            <a:off x="685800" y="4343400"/>
-            <a:ext cx="5486400" cy="4114800"/>
-          </a:xfrm>
-          <a:prstGeom prst="rect">
-            <a:avLst/>
-          </a:prstGeom>
-        </p:spPr>
-        <p:txBody>
-          <a:bodyPr anchorCtr="0" anchor="t" bIns="91425" lIns="91425" rIns="91425" tIns="91425">
-            <a:noAutofit/>
-          </a:bodyPr>
-          <a:lstStyle/>
-          <a:p>
-            <a:pPr lvl="0">
-              <a:spcBef>
-                <a:spcPts val="0"/>
-              </a:spcBef>
-              <a:buNone/>
-            </a:pPr>
-            <a:r>
-              <a:t/>
-            </a:r>
-            <a:endParaRPr/>
-          </a:p>
-        </p:txBody>
-      </p:sp>
-    </p:spTree>
-  </p:cSld>
-  <p:clrMapOvr>
-    <a:masterClrMapping/>
-  </p:clrMapOvr>
-</p:notes>
-</file>
-
-<file path=ppt/notesSlides/notesSlide12.xml><?xml version="1.0" encoding="utf-8"?>
-<p:notes xmlns:a="http://schemas.openxmlformats.org/drawingml/2006/main" xmlns:r="http://schemas.openxmlformats.org/officeDocument/2006/relationships" xmlns:mc="http://schemas.openxmlformats.org/markup-compatibility/2006" xmlns:mv="urn:schemas-microsoft-com:mac:vml" xmlns:p="http://schemas.openxmlformats.org/presentationml/2006/main" xmlns:c="http://schemas.openxmlformats.org/drawingml/2006/chart" xmlns:dgm="http://schemas.openxmlformats.org/drawingml/2006/diagram" xmlns:o="urn:schemas-microsoft-com:office:office" xmlns:v="urn:schemas-microsoft-com:vml" xmlns:pvml="urn:schemas-microsoft-com:office:powerpoint" xmlns:com="http://schemas.openxmlformats.org/drawingml/2006/compatibility" xmlns:p14="http://schemas.microsoft.com/office/powerpoint/2010/main" showMasterPhAnim="0" showMasterSp="0">
-  <p:cSld>
-    <p:spTree>
-      <p:nvGrpSpPr>
-        <p:cNvPr id="152" name="Shape 152"/>
-        <p:cNvGrpSpPr/>
-        <p:nvPr/>
-      </p:nvGrpSpPr>
-      <p:grpSpPr>
-        <a:xfrm>
-          <a:off x="0" y="0"/>
-          <a:ext cx="0" cy="0"/>
-          <a:chOff x="0" y="0"/>
-          <a:chExt cx="0" cy="0"/>
-        </a:xfrm>
-      </p:grpSpPr>
-      <p:sp>
-        <p:nvSpPr>
-          <p:cNvPr id="153" name="Shape 153"/>
-          <p:cNvSpPr/>
-          <p:nvPr>
-            <p:ph idx="2" type="sldImg"/>
-          </p:nvPr>
-        </p:nvSpPr>
-        <p:spPr>
-          <a:xfrm>
-            <a:off x="381300" y="685800"/>
-            <a:ext cx="6096000" cy="3429000"/>
-          </a:xfrm>
-          <a:custGeom>
-            <a:pathLst>
-              <a:path extrusionOk="0" h="120000" w="120000">
-                <a:moveTo>
-                  <a:pt x="0" y="0"/>
-                </a:moveTo>
-                <a:lnTo>
-                  <a:pt x="120000" y="0"/>
-                </a:lnTo>
-                <a:lnTo>
-                  <a:pt x="120000" y="120000"/>
-                </a:lnTo>
-                <a:lnTo>
-                  <a:pt x="0" y="120000"/>
-                </a:lnTo>
-                <a:close/>
-              </a:path>
-            </a:pathLst>
-          </a:custGeom>
-        </p:spPr>
-      </p:sp>
-      <p:sp>
-        <p:nvSpPr>
-          <p:cNvPr id="154" name="Shape 154"/>
-          <p:cNvSpPr txBox="1"/>
-          <p:nvPr>
-            <p:ph idx="1" type="body"/>
-          </p:nvPr>
-        </p:nvSpPr>
-        <p:spPr>
-          <a:xfrm>
-            <a:off x="685800" y="4343400"/>
-            <a:ext cx="5486400" cy="4114800"/>
-          </a:xfrm>
-          <a:prstGeom prst="rect">
-            <a:avLst/>
-          </a:prstGeom>
-        </p:spPr>
-        <p:txBody>
-          <a:bodyPr anchorCtr="0" anchor="t" bIns="91425" lIns="91425" rIns="91425" tIns="91425">
-            <a:noAutofit/>
-          </a:bodyPr>
-          <a:lstStyle/>
-          <a:p>
-            <a:pPr lvl="0">
-              <a:spcBef>
-                <a:spcPts val="0"/>
-              </a:spcBef>
-              <a:buNone/>
-            </a:pPr>
-            <a:r>
-              <a:t/>
-            </a:r>
-            <a:endParaRPr/>
-          </a:p>
-        </p:txBody>
-      </p:sp>
-    </p:spTree>
-  </p:cSld>
-  <p:clrMapOvr>
-    <a:masterClrMapping/>
-  </p:clrMapOvr>
-</p:notes>
-</file>
-
 <file path=ppt/notesSlides/notesSlide2.xml><?xml version="1.0" encoding="utf-8"?>
 <p:notes xmlns:a="http://schemas.openxmlformats.org/drawingml/2006/main" xmlns:r="http://schemas.openxmlformats.org/officeDocument/2006/relationships" xmlns:mc="http://schemas.openxmlformats.org/markup-compatibility/2006" xmlns:mv="urn:schemas-microsoft-com:mac:vml" xmlns:p="http://schemas.openxmlformats.org/presentationml/2006/main" xmlns:c="http://schemas.openxmlformats.org/drawingml/2006/chart" xmlns:dgm="http://schemas.openxmlformats.org/drawingml/2006/diagram" xmlns:o="urn:schemas-microsoft-com:office:office" xmlns:v="urn:schemas-microsoft-com:vml" xmlns:pvml="urn:schemas-microsoft-com:office:powerpoint" xmlns:com="http://schemas.openxmlformats.org/drawingml/2006/compatibility" xmlns:p14="http://schemas.microsoft.com/office/powerpoint/2010/main" showMasterPhAnim="0" showMasterSp="0">
   <p:cSld>
@@ -1021,7 +731,7 @@
           </a:bodyPr>
           <a:lstStyle/>
           <a:p>
-            <a:pPr lvl="0">
+            <a:pPr lvl="0" rtl="0">
               <a:spcBef>
                 <a:spcPts val="0"/>
               </a:spcBef>
@@ -1047,7 +757,7 @@
   <p:cSld>
     <p:spTree>
       <p:nvGrpSpPr>
-        <p:cNvPr id="74" name="Shape 74"/>
+        <p:cNvPr id="82" name="Shape 82"/>
         <p:cNvGrpSpPr/>
         <p:nvPr/>
       </p:nvGrpSpPr>
@@ -1061,7 +771,7 @@
       </p:grpSpPr>
       <p:sp>
         <p:nvSpPr>
-          <p:cNvPr id="75" name="Shape 75"/>
+          <p:cNvPr id="83" name="Shape 83"/>
           <p:cNvSpPr/>
           <p:nvPr>
             <p:ph idx="2" type="sldImg"/>
@@ -1095,7 +805,7 @@
       </p:sp>
       <p:sp>
         <p:nvSpPr>
-          <p:cNvPr id="76" name="Shape 76"/>
+          <p:cNvPr id="84" name="Shape 84"/>
           <p:cNvSpPr txBox="1"/>
           <p:nvPr>
             <p:ph idx="1" type="body"/>
@@ -1116,7 +826,7 @@
           </a:bodyPr>
           <a:lstStyle/>
           <a:p>
-            <a:pPr lvl="0" rtl="0">
+            <a:pPr lvl="0">
               <a:spcBef>
                 <a:spcPts val="0"/>
               </a:spcBef>
@@ -1218,9 +928,9 @@
               <a:buNone/>
             </a:pPr>
             <a:r>
-              <a:t/>
+              <a:rPr lang="en"/>
+              <a:t>Melanoma, meningioma</a:t>
             </a:r>
-            <a:endParaRPr/>
           </a:p>
         </p:txBody>
       </p:sp>
@@ -1286,196 +996,6 @@
       <p:sp>
         <p:nvSpPr>
           <p:cNvPr id="116" name="Shape 116"/>
-          <p:cNvSpPr txBox="1"/>
-          <p:nvPr>
-            <p:ph idx="1" type="body"/>
-          </p:nvPr>
-        </p:nvSpPr>
-        <p:spPr>
-          <a:xfrm>
-            <a:off x="685800" y="4343400"/>
-            <a:ext cx="5486400" cy="4114800"/>
-          </a:xfrm>
-          <a:prstGeom prst="rect">
-            <a:avLst/>
-          </a:prstGeom>
-        </p:spPr>
-        <p:txBody>
-          <a:bodyPr anchorCtr="0" anchor="t" bIns="91425" lIns="91425" rIns="91425" tIns="91425">
-            <a:noAutofit/>
-          </a:bodyPr>
-          <a:lstStyle/>
-          <a:p>
-            <a:pPr lvl="0">
-              <a:spcBef>
-                <a:spcPts val="0"/>
-              </a:spcBef>
-              <a:buNone/>
-            </a:pPr>
-            <a:r>
-              <a:t/>
-            </a:r>
-            <a:endParaRPr/>
-          </a:p>
-        </p:txBody>
-      </p:sp>
-    </p:spTree>
-  </p:cSld>
-  <p:clrMapOvr>
-    <a:masterClrMapping/>
-  </p:clrMapOvr>
-</p:notes>
-</file>
-
-<file path=ppt/notesSlides/notesSlide8.xml><?xml version="1.0" encoding="utf-8"?>
-<p:notes xmlns:a="http://schemas.openxmlformats.org/drawingml/2006/main" xmlns:r="http://schemas.openxmlformats.org/officeDocument/2006/relationships" xmlns:mc="http://schemas.openxmlformats.org/markup-compatibility/2006" xmlns:mv="urn:schemas-microsoft-com:mac:vml" xmlns:p="http://schemas.openxmlformats.org/presentationml/2006/main" xmlns:c="http://schemas.openxmlformats.org/drawingml/2006/chart" xmlns:dgm="http://schemas.openxmlformats.org/drawingml/2006/diagram" xmlns:o="urn:schemas-microsoft-com:office:office" xmlns:v="urn:schemas-microsoft-com:vml" xmlns:pvml="urn:schemas-microsoft-com:office:powerpoint" xmlns:com="http://schemas.openxmlformats.org/drawingml/2006/compatibility" xmlns:p14="http://schemas.microsoft.com/office/powerpoint/2010/main" showMasterPhAnim="0" showMasterSp="0">
-  <p:cSld>
-    <p:spTree>
-      <p:nvGrpSpPr>
-        <p:cNvPr id="120" name="Shape 120"/>
-        <p:cNvGrpSpPr/>
-        <p:nvPr/>
-      </p:nvGrpSpPr>
-      <p:grpSpPr>
-        <a:xfrm>
-          <a:off x="0" y="0"/>
-          <a:ext cx="0" cy="0"/>
-          <a:chOff x="0" y="0"/>
-          <a:chExt cx="0" cy="0"/>
-        </a:xfrm>
-      </p:grpSpPr>
-      <p:sp>
-        <p:nvSpPr>
-          <p:cNvPr id="121" name="Shape 121"/>
-          <p:cNvSpPr/>
-          <p:nvPr>
-            <p:ph idx="2" type="sldImg"/>
-          </p:nvPr>
-        </p:nvSpPr>
-        <p:spPr>
-          <a:xfrm>
-            <a:off x="381300" y="685800"/>
-            <a:ext cx="6096000" cy="3429000"/>
-          </a:xfrm>
-          <a:custGeom>
-            <a:pathLst>
-              <a:path extrusionOk="0" h="120000" w="120000">
-                <a:moveTo>
-                  <a:pt x="0" y="0"/>
-                </a:moveTo>
-                <a:lnTo>
-                  <a:pt x="120000" y="0"/>
-                </a:lnTo>
-                <a:lnTo>
-                  <a:pt x="120000" y="120000"/>
-                </a:lnTo>
-                <a:lnTo>
-                  <a:pt x="0" y="120000"/>
-                </a:lnTo>
-                <a:close/>
-              </a:path>
-            </a:pathLst>
-          </a:custGeom>
-        </p:spPr>
-      </p:sp>
-      <p:sp>
-        <p:nvSpPr>
-          <p:cNvPr id="122" name="Shape 122"/>
-          <p:cNvSpPr txBox="1"/>
-          <p:nvPr>
-            <p:ph idx="1" type="body"/>
-          </p:nvPr>
-        </p:nvSpPr>
-        <p:spPr>
-          <a:xfrm>
-            <a:off x="685800" y="4343400"/>
-            <a:ext cx="5486400" cy="4114800"/>
-          </a:xfrm>
-          <a:prstGeom prst="rect">
-            <a:avLst/>
-          </a:prstGeom>
-        </p:spPr>
-        <p:txBody>
-          <a:bodyPr anchorCtr="0" anchor="t" bIns="91425" lIns="91425" rIns="91425" tIns="91425">
-            <a:noAutofit/>
-          </a:bodyPr>
-          <a:lstStyle/>
-          <a:p>
-            <a:pPr lvl="0">
-              <a:spcBef>
-                <a:spcPts val="0"/>
-              </a:spcBef>
-              <a:buNone/>
-            </a:pPr>
-            <a:r>
-              <a:t/>
-            </a:r>
-            <a:endParaRPr/>
-          </a:p>
-        </p:txBody>
-      </p:sp>
-    </p:spTree>
-  </p:cSld>
-  <p:clrMapOvr>
-    <a:masterClrMapping/>
-  </p:clrMapOvr>
-</p:notes>
-</file>
-
-<file path=ppt/notesSlides/notesSlide9.xml><?xml version="1.0" encoding="utf-8"?>
-<p:notes xmlns:a="http://schemas.openxmlformats.org/drawingml/2006/main" xmlns:r="http://schemas.openxmlformats.org/officeDocument/2006/relationships" xmlns:mc="http://schemas.openxmlformats.org/markup-compatibility/2006" xmlns:mv="urn:schemas-microsoft-com:mac:vml" xmlns:p="http://schemas.openxmlformats.org/presentationml/2006/main" xmlns:c="http://schemas.openxmlformats.org/drawingml/2006/chart" xmlns:dgm="http://schemas.openxmlformats.org/drawingml/2006/diagram" xmlns:o="urn:schemas-microsoft-com:office:office" xmlns:v="urn:schemas-microsoft-com:vml" xmlns:pvml="urn:schemas-microsoft-com:office:powerpoint" xmlns:com="http://schemas.openxmlformats.org/drawingml/2006/compatibility" xmlns:p14="http://schemas.microsoft.com/office/powerpoint/2010/main" showMasterPhAnim="0" showMasterSp="0">
-  <p:cSld>
-    <p:spTree>
-      <p:nvGrpSpPr>
-        <p:cNvPr id="126" name="Shape 126"/>
-        <p:cNvGrpSpPr/>
-        <p:nvPr/>
-      </p:nvGrpSpPr>
-      <p:grpSpPr>
-        <a:xfrm>
-          <a:off x="0" y="0"/>
-          <a:ext cx="0" cy="0"/>
-          <a:chOff x="0" y="0"/>
-          <a:chExt cx="0" cy="0"/>
-        </a:xfrm>
-      </p:grpSpPr>
-      <p:sp>
-        <p:nvSpPr>
-          <p:cNvPr id="127" name="Shape 127"/>
-          <p:cNvSpPr/>
-          <p:nvPr>
-            <p:ph idx="2" type="sldImg"/>
-          </p:nvPr>
-        </p:nvSpPr>
-        <p:spPr>
-          <a:xfrm>
-            <a:off x="381300" y="685800"/>
-            <a:ext cx="6096000" cy="3429000"/>
-          </a:xfrm>
-          <a:custGeom>
-            <a:pathLst>
-              <a:path extrusionOk="0" h="120000" w="120000">
-                <a:moveTo>
-                  <a:pt x="0" y="0"/>
-                </a:moveTo>
-                <a:lnTo>
-                  <a:pt x="120000" y="0"/>
-                </a:lnTo>
-                <a:lnTo>
-                  <a:pt x="120000" y="120000"/>
-                </a:lnTo>
-                <a:lnTo>
-                  <a:pt x="0" y="120000"/>
-                </a:lnTo>
-                <a:close/>
-              </a:path>
-            </a:pathLst>
-          </a:custGeom>
-        </p:spPr>
-      </p:sp>
-      <p:sp>
-        <p:nvSpPr>
-          <p:cNvPr id="128" name="Shape 128"/>
           <p:cNvSpPr txBox="1"/>
           <p:nvPr>
             <p:ph idx="1" type="body"/>
@@ -4828,1540 +4348,6 @@
 </p:sld>
 </file>
 
-<file path=ppt/slides/slide10.xml><?xml version="1.0" encoding="utf-8"?>
-<p:sld xmlns:a="http://schemas.openxmlformats.org/drawingml/2006/main" xmlns:r="http://schemas.openxmlformats.org/officeDocument/2006/relationships" xmlns:mc="http://schemas.openxmlformats.org/markup-compatibility/2006" xmlns:mv="urn:schemas-microsoft-com:mac:vml" xmlns:p="http://schemas.openxmlformats.org/presentationml/2006/main" xmlns:c="http://schemas.openxmlformats.org/drawingml/2006/chart" xmlns:dgm="http://schemas.openxmlformats.org/drawingml/2006/diagram" xmlns:o="urn:schemas-microsoft-com:office:office" xmlns:v="urn:schemas-microsoft-com:vml" xmlns:pvml="urn:schemas-microsoft-com:office:powerpoint" xmlns:com="http://schemas.openxmlformats.org/drawingml/2006/compatibility" xmlns:p14="http://schemas.microsoft.com/office/powerpoint/2010/main">
-  <p:cSld>
-    <p:spTree>
-      <p:nvGrpSpPr>
-        <p:cNvPr id="135" name="Shape 135"/>
-        <p:cNvGrpSpPr/>
-        <p:nvPr/>
-      </p:nvGrpSpPr>
-      <p:grpSpPr>
-        <a:xfrm>
-          <a:off x="0" y="0"/>
-          <a:ext cx="0" cy="0"/>
-          <a:chOff x="0" y="0"/>
-          <a:chExt cx="0" cy="0"/>
-        </a:xfrm>
-      </p:grpSpPr>
-      <p:sp>
-        <p:nvSpPr>
-          <p:cNvPr id="136" name="Shape 136"/>
-          <p:cNvSpPr/>
-          <p:nvPr/>
-        </p:nvSpPr>
-        <p:spPr>
-          <a:xfrm>
-            <a:off x="620250" y="3857625"/>
-            <a:ext cx="1679100" cy="499200"/>
-          </a:xfrm>
-          <a:prstGeom prst="rect">
-            <a:avLst/>
-          </a:prstGeom>
-          <a:solidFill>
-            <a:schemeClr val="lt2"/>
-          </a:solidFill>
-          <a:ln cap="flat" cmpd="sng" w="9525">
-            <a:solidFill>
-              <a:schemeClr val="dk2"/>
-            </a:solidFill>
-            <a:prstDash val="solid"/>
-            <a:round/>
-            <a:headEnd len="med" w="med" type="none"/>
-            <a:tailEnd len="med" w="med" type="none"/>
-          </a:ln>
-        </p:spPr>
-        <p:txBody>
-          <a:bodyPr anchorCtr="0" anchor="ctr" bIns="91425" lIns="91425" rIns="91425" tIns="91425">
-            <a:noAutofit/>
-          </a:bodyPr>
-          <a:lstStyle/>
-          <a:p>
-            <a:pPr lvl="0">
-              <a:spcBef>
-                <a:spcPts val="0"/>
-              </a:spcBef>
-              <a:buNone/>
-            </a:pPr>
-            <a:r>
-              <a:t/>
-            </a:r>
-            <a:endParaRPr/>
-          </a:p>
-        </p:txBody>
-      </p:sp>
-      <p:sp>
-        <p:nvSpPr>
-          <p:cNvPr id="137" name="Shape 137"/>
-          <p:cNvSpPr/>
-          <p:nvPr/>
-        </p:nvSpPr>
-        <p:spPr>
-          <a:xfrm>
-            <a:off x="3662150" y="3857625"/>
-            <a:ext cx="1679100" cy="499200"/>
-          </a:xfrm>
-          <a:prstGeom prst="rect">
-            <a:avLst/>
-          </a:prstGeom>
-          <a:solidFill>
-            <a:schemeClr val="lt2"/>
-          </a:solidFill>
-          <a:ln cap="flat" cmpd="sng" w="9525">
-            <a:solidFill>
-              <a:schemeClr val="dk2"/>
-            </a:solidFill>
-            <a:prstDash val="solid"/>
-            <a:round/>
-            <a:headEnd len="med" w="med" type="none"/>
-            <a:tailEnd len="med" w="med" type="none"/>
-          </a:ln>
-        </p:spPr>
-        <p:txBody>
-          <a:bodyPr anchorCtr="0" anchor="ctr" bIns="91425" lIns="91425" rIns="91425" tIns="91425">
-            <a:noAutofit/>
-          </a:bodyPr>
-          <a:lstStyle/>
-          <a:p>
-            <a:pPr lvl="0">
-              <a:spcBef>
-                <a:spcPts val="0"/>
-              </a:spcBef>
-              <a:buNone/>
-            </a:pPr>
-            <a:r>
-              <a:t/>
-            </a:r>
-            <a:endParaRPr/>
-          </a:p>
-        </p:txBody>
-      </p:sp>
-      <p:sp>
-        <p:nvSpPr>
-          <p:cNvPr id="138" name="Shape 138"/>
-          <p:cNvSpPr/>
-          <p:nvPr/>
-        </p:nvSpPr>
-        <p:spPr>
-          <a:xfrm>
-            <a:off x="6704050" y="3827375"/>
-            <a:ext cx="1679100" cy="499200"/>
-          </a:xfrm>
-          <a:prstGeom prst="rect">
-            <a:avLst/>
-          </a:prstGeom>
-          <a:solidFill>
-            <a:schemeClr val="lt2"/>
-          </a:solidFill>
-          <a:ln cap="flat" cmpd="sng" w="9525">
-            <a:solidFill>
-              <a:schemeClr val="dk2"/>
-            </a:solidFill>
-            <a:prstDash val="solid"/>
-            <a:round/>
-            <a:headEnd len="med" w="med" type="none"/>
-            <a:tailEnd len="med" w="med" type="none"/>
-          </a:ln>
-        </p:spPr>
-        <p:txBody>
-          <a:bodyPr anchorCtr="0" anchor="ctr" bIns="91425" lIns="91425" rIns="91425" tIns="91425">
-            <a:noAutofit/>
-          </a:bodyPr>
-          <a:lstStyle/>
-          <a:p>
-            <a:pPr lvl="0">
-              <a:spcBef>
-                <a:spcPts val="0"/>
-              </a:spcBef>
-              <a:buNone/>
-            </a:pPr>
-            <a:r>
-              <a:t/>
-            </a:r>
-            <a:endParaRPr/>
-          </a:p>
-        </p:txBody>
-      </p:sp>
-      <p:sp>
-        <p:nvSpPr>
-          <p:cNvPr id="139" name="Shape 139"/>
-          <p:cNvSpPr txBox="1"/>
-          <p:nvPr>
-            <p:ph type="title"/>
-          </p:nvPr>
-        </p:nvSpPr>
-        <p:spPr>
-          <a:xfrm>
-            <a:off x="159300" y="172800"/>
-            <a:ext cx="8520600" cy="572700"/>
-          </a:xfrm>
-          <a:prstGeom prst="rect">
-            <a:avLst/>
-          </a:prstGeom>
-        </p:spPr>
-        <p:txBody>
-          <a:bodyPr anchorCtr="0" anchor="t" bIns="91425" lIns="91425" rIns="91425" tIns="91425">
-            <a:noAutofit/>
-          </a:bodyPr>
-          <a:lstStyle/>
-          <a:p>
-            <a:pPr lvl="0">
-              <a:spcBef>
-                <a:spcPts val="0"/>
-              </a:spcBef>
-              <a:buNone/>
-            </a:pPr>
-            <a:r>
-              <a:rPr lang="en"/>
-              <a:t>              Neural crest: Cellular origin of NF2 </a:t>
-            </a:r>
-          </a:p>
-        </p:txBody>
-      </p:sp>
-      <p:pic>
-        <p:nvPicPr>
-          <p:cNvPr id="140" name="Shape 140"/>
-          <p:cNvPicPr preferRelativeResize="0"/>
-          <p:nvPr/>
-        </p:nvPicPr>
-        <p:blipFill rotWithShape="1">
-          <a:blip r:embed="rId3">
-            <a:alphaModFix/>
-          </a:blip>
-          <a:srcRect b="0" l="0" r="51526" t="0"/>
-          <a:stretch/>
-        </p:blipFill>
-        <p:spPr>
-          <a:xfrm>
-            <a:off x="499225" y="949750"/>
-            <a:ext cx="2229525" cy="2515850"/>
-          </a:xfrm>
-          <a:prstGeom prst="rect">
-            <a:avLst/>
-          </a:prstGeom>
-          <a:noFill/>
-          <a:ln>
-            <a:noFill/>
-          </a:ln>
-        </p:spPr>
-      </p:pic>
-      <p:pic>
-        <p:nvPicPr>
-          <p:cNvPr id="141" name="Shape 141"/>
-          <p:cNvPicPr preferRelativeResize="0"/>
-          <p:nvPr/>
-        </p:nvPicPr>
-        <p:blipFill rotWithShape="1">
-          <a:blip r:embed="rId3">
-            <a:alphaModFix/>
-          </a:blip>
-          <a:srcRect b="0" l="51526" r="0" t="0"/>
-          <a:stretch/>
-        </p:blipFill>
-        <p:spPr>
-          <a:xfrm>
-            <a:off x="3505887" y="1004625"/>
-            <a:ext cx="2132224" cy="2406075"/>
-          </a:xfrm>
-          <a:prstGeom prst="rect">
-            <a:avLst/>
-          </a:prstGeom>
-          <a:noFill/>
-          <a:ln>
-            <a:noFill/>
-          </a:ln>
-        </p:spPr>
-      </p:pic>
-      <p:pic>
-        <p:nvPicPr>
-          <p:cNvPr id="142" name="Shape 142"/>
-          <p:cNvPicPr preferRelativeResize="0"/>
-          <p:nvPr/>
-        </p:nvPicPr>
-        <p:blipFill>
-          <a:blip r:embed="rId4">
-            <a:alphaModFix/>
-          </a:blip>
-          <a:stretch>
-            <a:fillRect/>
-          </a:stretch>
-        </p:blipFill>
-        <p:spPr>
-          <a:xfrm>
-            <a:off x="6136749" y="880212"/>
-            <a:ext cx="2695550" cy="2654924"/>
-          </a:xfrm>
-          <a:prstGeom prst="rect">
-            <a:avLst/>
-          </a:prstGeom>
-          <a:noFill/>
-          <a:ln>
-            <a:noFill/>
-          </a:ln>
-        </p:spPr>
-      </p:pic>
-      <p:sp>
-        <p:nvSpPr>
-          <p:cNvPr id="143" name="Shape 143"/>
-          <p:cNvSpPr txBox="1"/>
-          <p:nvPr/>
-        </p:nvSpPr>
-        <p:spPr>
-          <a:xfrm>
-            <a:off x="635375" y="3827375"/>
-            <a:ext cx="1770000" cy="499200"/>
-          </a:xfrm>
-          <a:prstGeom prst="rect">
-            <a:avLst/>
-          </a:prstGeom>
-          <a:noFill/>
-          <a:ln>
-            <a:noFill/>
-          </a:ln>
-        </p:spPr>
-        <p:txBody>
-          <a:bodyPr anchorCtr="0" anchor="t" bIns="91425" lIns="91425" rIns="91425" tIns="91425">
-            <a:noAutofit/>
-          </a:bodyPr>
-          <a:lstStyle/>
-          <a:p>
-            <a:pPr lvl="0">
-              <a:spcBef>
-                <a:spcPts val="0"/>
-              </a:spcBef>
-              <a:buNone/>
-            </a:pPr>
-            <a:r>
-              <a:rPr lang="en"/>
-              <a:t>Developing embryo</a:t>
-            </a:r>
-          </a:p>
-        </p:txBody>
-      </p:sp>
-      <p:sp>
-        <p:nvSpPr>
-          <p:cNvPr id="144" name="Shape 144"/>
-          <p:cNvSpPr txBox="1"/>
-          <p:nvPr/>
-        </p:nvSpPr>
-        <p:spPr>
-          <a:xfrm>
-            <a:off x="3616700" y="3827375"/>
-            <a:ext cx="1770000" cy="499200"/>
-          </a:xfrm>
-          <a:prstGeom prst="rect">
-            <a:avLst/>
-          </a:prstGeom>
-          <a:noFill/>
-          <a:ln>
-            <a:noFill/>
-          </a:ln>
-        </p:spPr>
-        <p:txBody>
-          <a:bodyPr anchorCtr="0" anchor="t" bIns="91425" lIns="91425" rIns="91425" tIns="91425">
-            <a:noAutofit/>
-          </a:bodyPr>
-          <a:lstStyle/>
-          <a:p>
-            <a:pPr lvl="0">
-              <a:spcBef>
-                <a:spcPts val="0"/>
-              </a:spcBef>
-              <a:buNone/>
-            </a:pPr>
-            <a:r>
-              <a:rPr lang="en"/>
-              <a:t>Normal adult neural</a:t>
-            </a:r>
-          </a:p>
-          <a:p>
-            <a:pPr lvl="0" rtl="0">
-              <a:spcBef>
-                <a:spcPts val="0"/>
-              </a:spcBef>
-              <a:buNone/>
-            </a:pPr>
-            <a:r>
-              <a:rPr lang="en"/>
-              <a:t>Crest tissues </a:t>
-            </a:r>
-          </a:p>
-        </p:txBody>
-      </p:sp>
-      <p:sp>
-        <p:nvSpPr>
-          <p:cNvPr id="145" name="Shape 145"/>
-          <p:cNvSpPr txBox="1"/>
-          <p:nvPr/>
-        </p:nvSpPr>
-        <p:spPr>
-          <a:xfrm>
-            <a:off x="6598025" y="3827375"/>
-            <a:ext cx="1770000" cy="499200"/>
-          </a:xfrm>
-          <a:prstGeom prst="rect">
-            <a:avLst/>
-          </a:prstGeom>
-          <a:noFill/>
-          <a:ln>
-            <a:noFill/>
-          </a:ln>
-        </p:spPr>
-        <p:txBody>
-          <a:bodyPr anchorCtr="0" anchor="t" bIns="91425" lIns="91425" rIns="91425" tIns="91425">
-            <a:noAutofit/>
-          </a:bodyPr>
-          <a:lstStyle/>
-          <a:p>
-            <a:pPr lvl="0" rtl="0">
-              <a:spcBef>
-                <a:spcPts val="0"/>
-              </a:spcBef>
-              <a:buNone/>
-            </a:pPr>
-            <a:r>
-              <a:rPr lang="en"/>
-              <a:t>neural crest tumor </a:t>
-            </a:r>
-          </a:p>
-        </p:txBody>
-      </p:sp>
-    </p:spTree>
-  </p:cSld>
-  <p:clrMapOvr>
-    <a:masterClrMapping/>
-  </p:clrMapOvr>
-</p:sld>
-</file>
-
-<file path=ppt/slides/slide11.xml><?xml version="1.0" encoding="utf-8"?>
-<p:sld xmlns:a="http://schemas.openxmlformats.org/drawingml/2006/main" xmlns:r="http://schemas.openxmlformats.org/officeDocument/2006/relationships" xmlns:mc="http://schemas.openxmlformats.org/markup-compatibility/2006" xmlns:mv="urn:schemas-microsoft-com:mac:vml" xmlns:p="http://schemas.openxmlformats.org/presentationml/2006/main" xmlns:c="http://schemas.openxmlformats.org/drawingml/2006/chart" xmlns:dgm="http://schemas.openxmlformats.org/drawingml/2006/diagram" xmlns:o="urn:schemas-microsoft-com:office:office" xmlns:v="urn:schemas-microsoft-com:vml" xmlns:pvml="urn:schemas-microsoft-com:office:powerpoint" xmlns:com="http://schemas.openxmlformats.org/drawingml/2006/compatibility" xmlns:p14="http://schemas.microsoft.com/office/powerpoint/2010/main">
-  <p:cSld>
-    <p:spTree>
-      <p:nvGrpSpPr>
-        <p:cNvPr id="149" name="Shape 149"/>
-        <p:cNvGrpSpPr/>
-        <p:nvPr/>
-      </p:nvGrpSpPr>
-      <p:grpSpPr>
-        <a:xfrm>
-          <a:off x="0" y="0"/>
-          <a:ext cx="0" cy="0"/>
-          <a:chOff x="0" y="0"/>
-          <a:chExt cx="0" cy="0"/>
-        </a:xfrm>
-      </p:grpSpPr>
-      <p:sp>
-        <p:nvSpPr>
-          <p:cNvPr id="150" name="Shape 150"/>
-          <p:cNvSpPr txBox="1"/>
-          <p:nvPr>
-            <p:ph type="title"/>
-          </p:nvPr>
-        </p:nvSpPr>
-        <p:spPr>
-          <a:xfrm>
-            <a:off x="311700" y="445025"/>
-            <a:ext cx="8520600" cy="572700"/>
-          </a:xfrm>
-          <a:prstGeom prst="rect">
-            <a:avLst/>
-          </a:prstGeom>
-        </p:spPr>
-        <p:txBody>
-          <a:bodyPr anchorCtr="0" anchor="t" bIns="91425" lIns="91425" rIns="91425" tIns="91425">
-            <a:noAutofit/>
-          </a:bodyPr>
-          <a:lstStyle/>
-          <a:p>
-            <a:pPr lvl="0">
-              <a:spcBef>
-                <a:spcPts val="0"/>
-              </a:spcBef>
-              <a:buNone/>
-            </a:pPr>
-            <a:r>
-              <a:rPr lang="en"/>
-              <a:t>What is the solution/ hypothesis to get to the solution</a:t>
-            </a:r>
-          </a:p>
-        </p:txBody>
-      </p:sp>
-      <p:sp>
-        <p:nvSpPr>
-          <p:cNvPr id="151" name="Shape 151"/>
-          <p:cNvSpPr txBox="1"/>
-          <p:nvPr>
-            <p:ph idx="1" type="body"/>
-          </p:nvPr>
-        </p:nvSpPr>
-        <p:spPr>
-          <a:xfrm>
-            <a:off x="311700" y="1152475"/>
-            <a:ext cx="8520600" cy="3416400"/>
-          </a:xfrm>
-          <a:prstGeom prst="rect">
-            <a:avLst/>
-          </a:prstGeom>
-        </p:spPr>
-        <p:txBody>
-          <a:bodyPr anchorCtr="0" anchor="t" bIns="91425" lIns="91425" rIns="91425" tIns="91425">
-            <a:noAutofit/>
-          </a:bodyPr>
-          <a:lstStyle/>
-          <a:p>
-            <a:pPr indent="-228600" lvl="0" marL="457200" rtl="0">
-              <a:spcBef>
-                <a:spcPts val="0"/>
-              </a:spcBef>
-            </a:pPr>
-            <a:r>
-              <a:rPr lang="en"/>
-              <a:t>Comparison of transcriptomic data across different samples : </a:t>
-            </a:r>
-          </a:p>
-          <a:p>
-            <a:pPr indent="-323850" lvl="0" marL="457200" rtl="0">
-              <a:spcBef>
-                <a:spcPts val="0"/>
-              </a:spcBef>
-              <a:buClr>
-                <a:srgbClr val="000000"/>
-              </a:buClr>
-              <a:buSzPct val="100000"/>
-              <a:buAutoNum type="arabicPeriod"/>
-            </a:pPr>
-            <a:r>
-              <a:rPr lang="en" sz="1500">
-                <a:solidFill>
-                  <a:srgbClr val="0000FF"/>
-                </a:solidFill>
-              </a:rPr>
-              <a:t>Embryonic </a:t>
-            </a:r>
-            <a:r>
-              <a:rPr lang="en" sz="1500">
-                <a:solidFill>
-                  <a:srgbClr val="0000FF"/>
-                </a:solidFill>
-              </a:rPr>
-              <a:t>normal neural crest, </a:t>
-            </a:r>
-          </a:p>
-          <a:p>
-            <a:pPr indent="-323850" lvl="0" marL="457200" rtl="0">
-              <a:spcBef>
-                <a:spcPts val="0"/>
-              </a:spcBef>
-              <a:buClr>
-                <a:srgbClr val="000000"/>
-              </a:buClr>
-              <a:buSzPct val="100000"/>
-              <a:buAutoNum type="arabicPeriod"/>
-            </a:pPr>
-            <a:r>
-              <a:rPr lang="en" sz="1500">
-                <a:solidFill>
-                  <a:srgbClr val="0000FF"/>
-                </a:solidFill>
-              </a:rPr>
-              <a:t>Neural crest tumors/cancers</a:t>
-            </a:r>
-          </a:p>
-          <a:p>
-            <a:pPr indent="-323850" lvl="0" marL="457200" rtl="0">
-              <a:spcBef>
-                <a:spcPts val="0"/>
-              </a:spcBef>
-              <a:buClr>
-                <a:srgbClr val="000000"/>
-              </a:buClr>
-              <a:buSzPct val="100000"/>
-              <a:buAutoNum type="arabicPeriod"/>
-            </a:pPr>
-            <a:r>
-              <a:rPr lang="en" sz="1500">
-                <a:solidFill>
-                  <a:srgbClr val="0000FF"/>
-                </a:solidFill>
-              </a:rPr>
-              <a:t>Other NF2 gene mutation tumors/cancers</a:t>
-            </a:r>
-          </a:p>
-          <a:p>
-            <a:pPr lvl="0" rtl="0">
-              <a:spcBef>
-                <a:spcPts val="0"/>
-              </a:spcBef>
-              <a:buNone/>
-            </a:pPr>
-            <a:r>
-              <a:rPr lang="en">
-                <a:solidFill>
-                  <a:srgbClr val="000000"/>
-                </a:solidFill>
-              </a:rPr>
-              <a:t>Find commonalities and differences in expressed genes </a:t>
-            </a:r>
-          </a:p>
-          <a:p>
-            <a:pPr lvl="0">
-              <a:spcBef>
-                <a:spcPts val="0"/>
-              </a:spcBef>
-              <a:buNone/>
-            </a:pPr>
-            <a:r>
-              <a:rPr lang="en">
-                <a:solidFill>
-                  <a:srgbClr val="000000"/>
-                </a:solidFill>
-              </a:rPr>
-              <a:t>Predict outcome &amp; </a:t>
-            </a:r>
-            <a:r>
-              <a:rPr lang="en">
-                <a:solidFill>
-                  <a:srgbClr val="0000FF"/>
-                </a:solidFill>
-              </a:rPr>
-              <a:t> determine NF2 causing gene pathways/ networks </a:t>
-            </a:r>
-          </a:p>
-          <a:p>
-            <a:pPr lvl="0">
-              <a:spcBef>
-                <a:spcPts val="0"/>
-              </a:spcBef>
-              <a:buNone/>
-            </a:pPr>
-            <a:r>
-              <a:t/>
-            </a:r>
-            <a:endParaRPr>
-              <a:solidFill>
-                <a:srgbClr val="0000FF"/>
-              </a:solidFill>
-            </a:endParaRPr>
-          </a:p>
-          <a:p>
-            <a:pPr lvl="0">
-              <a:spcBef>
-                <a:spcPts val="0"/>
-              </a:spcBef>
-              <a:buNone/>
-            </a:pPr>
-            <a:r>
-              <a:rPr lang="en"/>
-              <a:t> </a:t>
-            </a:r>
-          </a:p>
-        </p:txBody>
-      </p:sp>
-    </p:spTree>
-  </p:cSld>
-  <p:clrMapOvr>
-    <a:masterClrMapping/>
-  </p:clrMapOvr>
-</p:sld>
-</file>
-
-<file path=ppt/slides/slide12.xml><?xml version="1.0" encoding="utf-8"?>
-<p:sld xmlns:a="http://schemas.openxmlformats.org/drawingml/2006/main" xmlns:r="http://schemas.openxmlformats.org/officeDocument/2006/relationships" xmlns:mc="http://schemas.openxmlformats.org/markup-compatibility/2006" xmlns:mv="urn:schemas-microsoft-com:mac:vml" xmlns:p="http://schemas.openxmlformats.org/presentationml/2006/main" xmlns:c="http://schemas.openxmlformats.org/drawingml/2006/chart" xmlns:dgm="http://schemas.openxmlformats.org/drawingml/2006/diagram" xmlns:o="urn:schemas-microsoft-com:office:office" xmlns:v="urn:schemas-microsoft-com:vml" xmlns:pvml="urn:schemas-microsoft-com:office:powerpoint" xmlns:com="http://schemas.openxmlformats.org/drawingml/2006/compatibility" xmlns:p14="http://schemas.microsoft.com/office/powerpoint/2010/main">
-  <p:cSld>
-    <p:spTree>
-      <p:nvGrpSpPr>
-        <p:cNvPr id="155" name="Shape 155"/>
-        <p:cNvGrpSpPr/>
-        <p:nvPr/>
-      </p:nvGrpSpPr>
-      <p:grpSpPr>
-        <a:xfrm>
-          <a:off x="0" y="0"/>
-          <a:ext cx="0" cy="0"/>
-          <a:chOff x="0" y="0"/>
-          <a:chExt cx="0" cy="0"/>
-        </a:xfrm>
-      </p:grpSpPr>
-      <p:sp>
-        <p:nvSpPr>
-          <p:cNvPr id="156" name="Shape 156"/>
-          <p:cNvSpPr/>
-          <p:nvPr/>
-        </p:nvSpPr>
-        <p:spPr>
-          <a:xfrm>
-            <a:off x="3645825" y="3933275"/>
-            <a:ext cx="2122500" cy="461700"/>
-          </a:xfrm>
-          <a:prstGeom prst="rect">
-            <a:avLst/>
-          </a:prstGeom>
-          <a:solidFill>
-            <a:schemeClr val="lt2"/>
-          </a:solidFill>
-          <a:ln cap="flat" cmpd="sng" w="9525">
-            <a:solidFill>
-              <a:schemeClr val="dk2"/>
-            </a:solidFill>
-            <a:prstDash val="solid"/>
-            <a:round/>
-            <a:headEnd len="med" w="med" type="none"/>
-            <a:tailEnd len="med" w="med" type="none"/>
-          </a:ln>
-        </p:spPr>
-        <p:txBody>
-          <a:bodyPr anchorCtr="0" anchor="ctr" bIns="91425" lIns="91425" rIns="91425" tIns="91425">
-            <a:noAutofit/>
-          </a:bodyPr>
-          <a:lstStyle/>
-          <a:p>
-            <a:pPr lvl="0">
-              <a:spcBef>
-                <a:spcPts val="0"/>
-              </a:spcBef>
-              <a:buNone/>
-            </a:pPr>
-            <a:r>
-              <a:t/>
-            </a:r>
-            <a:endParaRPr/>
-          </a:p>
-        </p:txBody>
-      </p:sp>
-      <p:sp>
-        <p:nvSpPr>
-          <p:cNvPr id="157" name="Shape 157"/>
-          <p:cNvSpPr/>
-          <p:nvPr/>
-        </p:nvSpPr>
-        <p:spPr>
-          <a:xfrm>
-            <a:off x="6263700" y="1952787"/>
-            <a:ext cx="2639700" cy="572700"/>
-          </a:xfrm>
-          <a:prstGeom prst="rect">
-            <a:avLst/>
-          </a:prstGeom>
-          <a:solidFill>
-            <a:schemeClr val="lt2"/>
-          </a:solidFill>
-          <a:ln cap="flat" cmpd="sng" w="9525">
-            <a:solidFill>
-              <a:schemeClr val="dk2"/>
-            </a:solidFill>
-            <a:prstDash val="solid"/>
-            <a:round/>
-            <a:headEnd len="med" w="med" type="none"/>
-            <a:tailEnd len="med" w="med" type="none"/>
-          </a:ln>
-        </p:spPr>
-        <p:txBody>
-          <a:bodyPr anchorCtr="0" anchor="ctr" bIns="91425" lIns="91425" rIns="91425" tIns="91425">
-            <a:noAutofit/>
-          </a:bodyPr>
-          <a:lstStyle/>
-          <a:p>
-            <a:pPr lvl="0">
-              <a:spcBef>
-                <a:spcPts val="0"/>
-              </a:spcBef>
-              <a:buNone/>
-            </a:pPr>
-            <a:r>
-              <a:t/>
-            </a:r>
-            <a:endParaRPr/>
-          </a:p>
-        </p:txBody>
-      </p:sp>
-      <p:sp>
-        <p:nvSpPr>
-          <p:cNvPr id="158" name="Shape 158"/>
-          <p:cNvSpPr/>
-          <p:nvPr/>
-        </p:nvSpPr>
-        <p:spPr>
-          <a:xfrm>
-            <a:off x="6338600" y="3261925"/>
-            <a:ext cx="2639700" cy="572700"/>
-          </a:xfrm>
-          <a:prstGeom prst="rect">
-            <a:avLst/>
-          </a:prstGeom>
-          <a:solidFill>
-            <a:schemeClr val="lt2"/>
-          </a:solidFill>
-          <a:ln cap="flat" cmpd="sng" w="9525">
-            <a:solidFill>
-              <a:schemeClr val="dk2"/>
-            </a:solidFill>
-            <a:prstDash val="solid"/>
-            <a:round/>
-            <a:headEnd len="med" w="med" type="none"/>
-            <a:tailEnd len="med" w="med" type="none"/>
-          </a:ln>
-        </p:spPr>
-        <p:txBody>
-          <a:bodyPr anchorCtr="0" anchor="ctr" bIns="91425" lIns="91425" rIns="91425" tIns="91425">
-            <a:noAutofit/>
-          </a:bodyPr>
-          <a:lstStyle/>
-          <a:p>
-            <a:pPr lvl="0">
-              <a:spcBef>
-                <a:spcPts val="0"/>
-              </a:spcBef>
-              <a:buNone/>
-            </a:pPr>
-            <a:r>
-              <a:t/>
-            </a:r>
-            <a:endParaRPr/>
-          </a:p>
-        </p:txBody>
-      </p:sp>
-      <p:sp>
-        <p:nvSpPr>
-          <p:cNvPr id="159" name="Shape 159"/>
-          <p:cNvSpPr txBox="1"/>
-          <p:nvPr>
-            <p:ph type="title"/>
-          </p:nvPr>
-        </p:nvSpPr>
-        <p:spPr>
-          <a:xfrm>
-            <a:off x="521975" y="0"/>
-            <a:ext cx="8520600" cy="572700"/>
-          </a:xfrm>
-          <a:prstGeom prst="rect">
-            <a:avLst/>
-          </a:prstGeom>
-        </p:spPr>
-        <p:txBody>
-          <a:bodyPr anchorCtr="0" anchor="t" bIns="91425" lIns="91425" rIns="91425" tIns="91425">
-            <a:noAutofit/>
-          </a:bodyPr>
-          <a:lstStyle/>
-          <a:p>
-            <a:pPr lvl="0">
-              <a:spcBef>
-                <a:spcPts val="0"/>
-              </a:spcBef>
-              <a:buNone/>
-            </a:pPr>
-            <a:r>
-              <a:rPr lang="en"/>
-              <a:t>                            </a:t>
-            </a:r>
-            <a:r>
-              <a:rPr lang="en" sz="2500"/>
-              <a:t>How it works </a:t>
-            </a:r>
-          </a:p>
-        </p:txBody>
-      </p:sp>
-      <p:sp>
-        <p:nvSpPr>
-          <p:cNvPr id="160" name="Shape 160"/>
-          <p:cNvSpPr txBox="1"/>
-          <p:nvPr>
-            <p:ph idx="1" type="body"/>
-          </p:nvPr>
-        </p:nvSpPr>
-        <p:spPr>
-          <a:xfrm>
-            <a:off x="1356875" y="2766690"/>
-            <a:ext cx="2122500" cy="340200"/>
-          </a:xfrm>
-          <a:prstGeom prst="rect">
-            <a:avLst/>
-          </a:prstGeom>
-        </p:spPr>
-        <p:txBody>
-          <a:bodyPr anchorCtr="0" anchor="t" bIns="91425" lIns="91425" rIns="91425" tIns="91425">
-            <a:noAutofit/>
-          </a:bodyPr>
-          <a:lstStyle/>
-          <a:p>
-            <a:pPr lvl="0" rtl="0" algn="ctr">
-              <a:spcBef>
-                <a:spcPts val="0"/>
-              </a:spcBef>
-              <a:buNone/>
-            </a:pPr>
-            <a:r>
-              <a:rPr lang="en" sz="1400"/>
-              <a:t>Bioinformatics </a:t>
-            </a:r>
-          </a:p>
-          <a:p>
-            <a:pPr lvl="0" rtl="0" algn="ctr">
-              <a:spcBef>
-                <a:spcPts val="0"/>
-              </a:spcBef>
-              <a:buNone/>
-            </a:pPr>
-            <a:r>
-              <a:t/>
-            </a:r>
-            <a:endParaRPr sz="1400"/>
-          </a:p>
-        </p:txBody>
-      </p:sp>
-      <p:sp>
-        <p:nvSpPr>
-          <p:cNvPr id="161" name="Shape 161"/>
-          <p:cNvSpPr txBox="1"/>
-          <p:nvPr>
-            <p:ph idx="1" type="body"/>
-          </p:nvPr>
-        </p:nvSpPr>
-        <p:spPr>
-          <a:xfrm>
-            <a:off x="6338600" y="1876600"/>
-            <a:ext cx="2639700" cy="1154100"/>
-          </a:xfrm>
-          <a:prstGeom prst="rect">
-            <a:avLst/>
-          </a:prstGeom>
-        </p:spPr>
-        <p:txBody>
-          <a:bodyPr anchorCtr="0" anchor="t" bIns="91425" lIns="91425" rIns="91425" tIns="91425">
-            <a:noAutofit/>
-          </a:bodyPr>
-          <a:lstStyle/>
-          <a:p>
-            <a:pPr lvl="0" algn="ctr">
-              <a:spcBef>
-                <a:spcPts val="0"/>
-              </a:spcBef>
-              <a:buNone/>
-            </a:pPr>
-            <a:r>
-              <a:rPr lang="en" sz="1000"/>
-              <a:t>Identify  genes whose expression differences account for separation between classes ( normal vs tumor )</a:t>
-            </a:r>
-          </a:p>
-          <a:p>
-            <a:pPr lvl="0">
-              <a:spcBef>
-                <a:spcPts val="0"/>
-              </a:spcBef>
-              <a:buNone/>
-            </a:pPr>
-            <a:r>
-              <a:t/>
-            </a:r>
-            <a:endParaRPr sz="1500"/>
-          </a:p>
-          <a:p>
-            <a:pPr lvl="0">
-              <a:spcBef>
-                <a:spcPts val="0"/>
-              </a:spcBef>
-              <a:buNone/>
-            </a:pPr>
-            <a:r>
-              <a:t/>
-            </a:r>
-            <a:endParaRPr sz="1500"/>
-          </a:p>
-          <a:p>
-            <a:pPr lvl="0" rtl="0">
-              <a:spcBef>
-                <a:spcPts val="0"/>
-              </a:spcBef>
-              <a:buNone/>
-            </a:pPr>
-            <a:r>
-              <a:t/>
-            </a:r>
-            <a:endParaRPr sz="1500"/>
-          </a:p>
-        </p:txBody>
-      </p:sp>
-      <p:sp>
-        <p:nvSpPr>
-          <p:cNvPr id="162" name="Shape 162"/>
-          <p:cNvSpPr txBox="1"/>
-          <p:nvPr>
-            <p:ph idx="1" type="body"/>
-          </p:nvPr>
-        </p:nvSpPr>
-        <p:spPr>
-          <a:xfrm>
-            <a:off x="637675" y="2441087"/>
-            <a:ext cx="2941200" cy="461700"/>
-          </a:xfrm>
-          <a:prstGeom prst="rect">
-            <a:avLst/>
-          </a:prstGeom>
-        </p:spPr>
-        <p:txBody>
-          <a:bodyPr anchorCtr="0" anchor="t" bIns="91425" lIns="91425" rIns="91425" tIns="91425">
-            <a:noAutofit/>
-          </a:bodyPr>
-          <a:lstStyle/>
-          <a:p>
-            <a:pPr lvl="0">
-              <a:spcBef>
-                <a:spcPts val="0"/>
-              </a:spcBef>
-              <a:buNone/>
-            </a:pPr>
-            <a:r>
-              <a:rPr b="1" lang="en" sz="1200">
-                <a:solidFill>
-                  <a:srgbClr val="FF0000"/>
-                </a:solidFill>
-              </a:rPr>
-              <a:t>RNA-seq data from NCBI </a:t>
-            </a:r>
-          </a:p>
-        </p:txBody>
-      </p:sp>
-      <p:sp>
-        <p:nvSpPr>
-          <p:cNvPr id="163" name="Shape 163"/>
-          <p:cNvSpPr txBox="1"/>
-          <p:nvPr>
-            <p:ph idx="1" type="body"/>
-          </p:nvPr>
-        </p:nvSpPr>
-        <p:spPr>
-          <a:xfrm>
-            <a:off x="3479362" y="3992425"/>
-            <a:ext cx="2303700" cy="461700"/>
-          </a:xfrm>
-          <a:prstGeom prst="rect">
-            <a:avLst/>
-          </a:prstGeom>
-        </p:spPr>
-        <p:txBody>
-          <a:bodyPr anchorCtr="0" anchor="t" bIns="91425" lIns="91425" rIns="91425" tIns="91425">
-            <a:noAutofit/>
-          </a:bodyPr>
-          <a:lstStyle/>
-          <a:p>
-            <a:pPr lvl="0" rtl="0" algn="ctr">
-              <a:spcBef>
-                <a:spcPts val="0"/>
-              </a:spcBef>
-              <a:buNone/>
-            </a:pPr>
-            <a:r>
-              <a:rPr lang="en" sz="1000"/>
-              <a:t> ML algorithm to define dimensions </a:t>
-            </a:r>
-          </a:p>
-          <a:p>
-            <a:pPr lvl="0" rtl="0" algn="ctr">
-              <a:spcBef>
-                <a:spcPts val="0"/>
-              </a:spcBef>
-              <a:buNone/>
-            </a:pPr>
-            <a:r>
-              <a:t/>
-            </a:r>
-            <a:endParaRPr sz="1400"/>
-          </a:p>
-        </p:txBody>
-      </p:sp>
-      <p:sp>
-        <p:nvSpPr>
-          <p:cNvPr id="164" name="Shape 164"/>
-          <p:cNvSpPr/>
-          <p:nvPr/>
-        </p:nvSpPr>
-        <p:spPr>
-          <a:xfrm>
-            <a:off x="1511737" y="2788537"/>
-            <a:ext cx="343800" cy="461700"/>
-          </a:xfrm>
-          <a:prstGeom prst="downArrow">
-            <a:avLst>
-              <a:gd fmla="val 50000" name="adj1"/>
-              <a:gd fmla="val 50000" name="adj2"/>
-            </a:avLst>
-          </a:prstGeom>
-          <a:solidFill>
-            <a:srgbClr val="0000FF"/>
-          </a:solidFill>
-          <a:ln cap="flat" cmpd="sng" w="9525">
-            <a:solidFill>
-              <a:schemeClr val="dk2"/>
-            </a:solidFill>
-            <a:prstDash val="solid"/>
-            <a:round/>
-            <a:headEnd len="med" w="med" type="none"/>
-            <a:tailEnd len="med" w="med" type="none"/>
-          </a:ln>
-        </p:spPr>
-        <p:txBody>
-          <a:bodyPr anchorCtr="0" anchor="ctr" bIns="91425" lIns="91425" rIns="91425" tIns="91425">
-            <a:noAutofit/>
-          </a:bodyPr>
-          <a:lstStyle/>
-          <a:p>
-            <a:pPr lvl="0">
-              <a:spcBef>
-                <a:spcPts val="0"/>
-              </a:spcBef>
-              <a:buNone/>
-            </a:pPr>
-            <a:r>
-              <a:t/>
-            </a:r>
-            <a:endParaRPr/>
-          </a:p>
-        </p:txBody>
-      </p:sp>
-      <p:sp>
-        <p:nvSpPr>
-          <p:cNvPr id="165" name="Shape 165"/>
-          <p:cNvSpPr txBox="1"/>
-          <p:nvPr/>
-        </p:nvSpPr>
-        <p:spPr>
-          <a:xfrm>
-            <a:off x="6412550" y="3259300"/>
-            <a:ext cx="7335600" cy="855900"/>
-          </a:xfrm>
-          <a:prstGeom prst="rect">
-            <a:avLst/>
-          </a:prstGeom>
-          <a:noFill/>
-          <a:ln>
-            <a:noFill/>
-          </a:ln>
-        </p:spPr>
-        <p:txBody>
-          <a:bodyPr anchorCtr="0" anchor="t" bIns="91425" lIns="91425" rIns="91425" tIns="91425">
-            <a:noAutofit/>
-          </a:bodyPr>
-          <a:lstStyle/>
-          <a:p>
-            <a:pPr lvl="0">
-              <a:spcBef>
-                <a:spcPts val="0"/>
-              </a:spcBef>
-              <a:buNone/>
-            </a:pPr>
-            <a:r>
-              <a:rPr lang="en" sz="1000"/>
-              <a:t>Gene ontology  of the top genes</a:t>
-            </a:r>
-          </a:p>
-          <a:p>
-            <a:pPr lvl="0">
-              <a:spcBef>
-                <a:spcPts val="0"/>
-              </a:spcBef>
-              <a:buNone/>
-            </a:pPr>
-            <a:r>
-              <a:rPr lang="en" sz="1000"/>
-              <a:t>To  determine NF2 related pathways</a:t>
-            </a:r>
-          </a:p>
-        </p:txBody>
-      </p:sp>
-      <p:grpSp>
-        <p:nvGrpSpPr>
-          <p:cNvPr id="166" name="Shape 166"/>
-          <p:cNvGrpSpPr/>
-          <p:nvPr/>
-        </p:nvGrpSpPr>
-        <p:grpSpPr>
-          <a:xfrm>
-            <a:off x="61897" y="544384"/>
-            <a:ext cx="3478230" cy="1804184"/>
-            <a:chOff x="152400" y="1174450"/>
-            <a:chExt cx="4739379" cy="2270270"/>
-          </a:xfrm>
-        </p:grpSpPr>
-        <p:pic>
-          <p:nvPicPr>
-            <p:cNvPr id="167" name="Shape 167"/>
-            <p:cNvPicPr preferRelativeResize="0"/>
-            <p:nvPr/>
-          </p:nvPicPr>
-          <p:blipFill>
-            <a:blip r:embed="rId3">
-              <a:alphaModFix/>
-            </a:blip>
-            <a:stretch>
-              <a:fillRect/>
-            </a:stretch>
-          </p:blipFill>
-          <p:spPr>
-            <a:xfrm>
-              <a:off x="152400" y="1174450"/>
-              <a:ext cx="3804574" cy="2270270"/>
-            </a:xfrm>
-            <a:prstGeom prst="rect">
-              <a:avLst/>
-            </a:prstGeom>
-            <a:noFill/>
-            <a:ln>
-              <a:noFill/>
-            </a:ln>
-          </p:spPr>
-        </p:pic>
-        <p:pic>
-          <p:nvPicPr>
-            <p:cNvPr id="168" name="Shape 168"/>
-            <p:cNvPicPr preferRelativeResize="0"/>
-            <p:nvPr/>
-          </p:nvPicPr>
-          <p:blipFill>
-            <a:blip r:embed="rId4">
-              <a:alphaModFix/>
-            </a:blip>
-            <a:stretch>
-              <a:fillRect/>
-            </a:stretch>
-          </p:blipFill>
-          <p:spPr>
-            <a:xfrm>
-              <a:off x="3956963" y="2110864"/>
-              <a:ext cx="934815" cy="1303050"/>
-            </a:xfrm>
-            <a:prstGeom prst="rect">
-              <a:avLst/>
-            </a:prstGeom>
-            <a:noFill/>
-            <a:ln>
-              <a:noFill/>
-            </a:ln>
-          </p:spPr>
-        </p:pic>
-      </p:grpSp>
-      <p:pic>
-        <p:nvPicPr>
-          <p:cNvPr id="169" name="Shape 169"/>
-          <p:cNvPicPr preferRelativeResize="0"/>
-          <p:nvPr/>
-        </p:nvPicPr>
-        <p:blipFill rotWithShape="1">
-          <a:blip r:embed="rId5">
-            <a:alphaModFix/>
-          </a:blip>
-          <a:srcRect b="-57190" l="0" r="0" t="57190"/>
-          <a:stretch/>
-        </p:blipFill>
-        <p:spPr>
-          <a:xfrm>
-            <a:off x="931437" y="3453300"/>
-            <a:ext cx="1400024" cy="3534598"/>
-          </a:xfrm>
-          <a:prstGeom prst="rect">
-            <a:avLst/>
-          </a:prstGeom>
-          <a:noFill/>
-          <a:ln>
-            <a:noFill/>
-          </a:ln>
-        </p:spPr>
-      </p:pic>
-      <p:sp>
-        <p:nvSpPr>
-          <p:cNvPr id="170" name="Shape 170"/>
-          <p:cNvSpPr/>
-          <p:nvPr/>
-        </p:nvSpPr>
-        <p:spPr>
-          <a:xfrm>
-            <a:off x="2493875" y="4053175"/>
-            <a:ext cx="680700" cy="340200"/>
-          </a:xfrm>
-          <a:prstGeom prst="rightArrow">
-            <a:avLst>
-              <a:gd fmla="val 50000" name="adj1"/>
-              <a:gd fmla="val 50000" name="adj2"/>
-            </a:avLst>
-          </a:prstGeom>
-          <a:solidFill>
-            <a:srgbClr val="0000FF"/>
-          </a:solidFill>
-          <a:ln cap="flat" cmpd="sng" w="9525">
-            <a:solidFill>
-              <a:schemeClr val="dk2"/>
-            </a:solidFill>
-            <a:prstDash val="solid"/>
-            <a:round/>
-            <a:headEnd len="med" w="med" type="none"/>
-            <a:tailEnd len="med" w="med" type="none"/>
-          </a:ln>
-        </p:spPr>
-        <p:txBody>
-          <a:bodyPr anchorCtr="0" anchor="ctr" bIns="91425" lIns="91425" rIns="91425" tIns="91425">
-            <a:noAutofit/>
-          </a:bodyPr>
-          <a:lstStyle/>
-          <a:p>
-            <a:pPr lvl="0">
-              <a:spcBef>
-                <a:spcPts val="0"/>
-              </a:spcBef>
-              <a:buNone/>
-            </a:pPr>
-            <a:r>
-              <a:t/>
-            </a:r>
-            <a:endParaRPr/>
-          </a:p>
-        </p:txBody>
-      </p:sp>
-      <p:sp>
-        <p:nvSpPr>
-          <p:cNvPr id="171" name="Shape 171"/>
-          <p:cNvSpPr/>
-          <p:nvPr/>
-        </p:nvSpPr>
-        <p:spPr>
-          <a:xfrm>
-            <a:off x="4555325" y="2733050"/>
-            <a:ext cx="453900" cy="572700"/>
-          </a:xfrm>
-          <a:prstGeom prst="upArrow">
-            <a:avLst>
-              <a:gd fmla="val 50000" name="adj1"/>
-              <a:gd fmla="val 50000" name="adj2"/>
-            </a:avLst>
-          </a:prstGeom>
-          <a:solidFill>
-            <a:srgbClr val="0000FF"/>
-          </a:solidFill>
-          <a:ln cap="flat" cmpd="sng" w="9525">
-            <a:solidFill>
-              <a:schemeClr val="dk2"/>
-            </a:solidFill>
-            <a:prstDash val="solid"/>
-            <a:round/>
-            <a:headEnd len="med" w="med" type="none"/>
-            <a:tailEnd len="med" w="med" type="none"/>
-          </a:ln>
-        </p:spPr>
-        <p:txBody>
-          <a:bodyPr anchorCtr="0" anchor="ctr" bIns="91425" lIns="91425" rIns="91425" tIns="91425">
-            <a:noAutofit/>
-          </a:bodyPr>
-          <a:lstStyle/>
-          <a:p>
-            <a:pPr lvl="0">
-              <a:spcBef>
-                <a:spcPts val="0"/>
-              </a:spcBef>
-              <a:buNone/>
-            </a:pPr>
-            <a:r>
-              <a:t/>
-            </a:r>
-            <a:endParaRPr/>
-          </a:p>
-        </p:txBody>
-      </p:sp>
-      <p:sp>
-        <p:nvSpPr>
-          <p:cNvPr id="172" name="Shape 172"/>
-          <p:cNvSpPr/>
-          <p:nvPr/>
-        </p:nvSpPr>
-        <p:spPr>
-          <a:xfrm>
-            <a:off x="7486537" y="2645187"/>
-            <a:ext cx="343800" cy="461700"/>
-          </a:xfrm>
-          <a:prstGeom prst="downArrow">
-            <a:avLst>
-              <a:gd fmla="val 50000" name="adj1"/>
-              <a:gd fmla="val 50000" name="adj2"/>
-            </a:avLst>
-          </a:prstGeom>
-          <a:solidFill>
-            <a:srgbClr val="0000FF"/>
-          </a:solidFill>
-          <a:ln cap="flat" cmpd="sng" w="9525">
-            <a:solidFill>
-              <a:schemeClr val="dk2"/>
-            </a:solidFill>
-            <a:prstDash val="solid"/>
-            <a:round/>
-            <a:headEnd len="med" w="med" type="none"/>
-            <a:tailEnd len="med" w="med" type="none"/>
-          </a:ln>
-        </p:spPr>
-        <p:txBody>
-          <a:bodyPr anchorCtr="0" anchor="ctr" bIns="91425" lIns="91425" rIns="91425" tIns="91425">
-            <a:noAutofit/>
-          </a:bodyPr>
-          <a:lstStyle/>
-          <a:p>
-            <a:pPr lvl="0">
-              <a:spcBef>
-                <a:spcPts val="0"/>
-              </a:spcBef>
-              <a:buNone/>
-            </a:pPr>
-            <a:r>
-              <a:t/>
-            </a:r>
-            <a:endParaRPr/>
-          </a:p>
-        </p:txBody>
-      </p:sp>
-      <p:pic>
-        <p:nvPicPr>
-          <p:cNvPr id="173" name="Shape 173"/>
-          <p:cNvPicPr preferRelativeResize="0"/>
-          <p:nvPr/>
-        </p:nvPicPr>
-        <p:blipFill>
-          <a:blip r:embed="rId6">
-            <a:alphaModFix/>
-          </a:blip>
-          <a:stretch>
-            <a:fillRect/>
-          </a:stretch>
-        </p:blipFill>
-        <p:spPr>
-          <a:xfrm>
-            <a:off x="3630425" y="1385271"/>
-            <a:ext cx="2303699" cy="1052394"/>
-          </a:xfrm>
-          <a:prstGeom prst="rect">
-            <a:avLst/>
-          </a:prstGeom>
-          <a:noFill/>
-          <a:ln>
-            <a:noFill/>
-          </a:ln>
-        </p:spPr>
-      </p:pic>
-      <p:pic>
-        <p:nvPicPr>
-          <p:cNvPr id="174" name="Shape 174"/>
-          <p:cNvPicPr preferRelativeResize="0"/>
-          <p:nvPr/>
-        </p:nvPicPr>
-        <p:blipFill>
-          <a:blip r:embed="rId7">
-            <a:alphaModFix/>
-          </a:blip>
-          <a:stretch>
-            <a:fillRect/>
-          </a:stretch>
-        </p:blipFill>
-        <p:spPr>
-          <a:xfrm>
-            <a:off x="3038972" y="692637"/>
-            <a:ext cx="606842" cy="572700"/>
-          </a:xfrm>
-          <a:prstGeom prst="rect">
-            <a:avLst/>
-          </a:prstGeom>
-          <a:noFill/>
-          <a:ln>
-            <a:noFill/>
-          </a:ln>
-        </p:spPr>
-      </p:pic>
-      <p:pic>
-        <p:nvPicPr>
-          <p:cNvPr id="175" name="Shape 175"/>
-          <p:cNvPicPr preferRelativeResize="0"/>
-          <p:nvPr/>
-        </p:nvPicPr>
-        <p:blipFill>
-          <a:blip r:embed="rId7">
-            <a:alphaModFix/>
-          </a:blip>
-          <a:stretch>
-            <a:fillRect/>
-          </a:stretch>
-        </p:blipFill>
-        <p:spPr>
-          <a:xfrm>
-            <a:off x="2394747" y="3400899"/>
-            <a:ext cx="606842" cy="572700"/>
-          </a:xfrm>
-          <a:prstGeom prst="rect">
-            <a:avLst/>
-          </a:prstGeom>
-          <a:noFill/>
-          <a:ln>
-            <a:noFill/>
-          </a:ln>
-        </p:spPr>
-      </p:pic>
-      <p:pic>
-        <p:nvPicPr>
-          <p:cNvPr id="176" name="Shape 176"/>
-          <p:cNvPicPr preferRelativeResize="0"/>
-          <p:nvPr/>
-        </p:nvPicPr>
-        <p:blipFill>
-          <a:blip r:embed="rId7">
-            <a:alphaModFix/>
-          </a:blip>
-          <a:stretch>
-            <a:fillRect/>
-          </a:stretch>
-        </p:blipFill>
-        <p:spPr>
-          <a:xfrm>
-            <a:off x="5161472" y="3250262"/>
-            <a:ext cx="606842" cy="572700"/>
-          </a:xfrm>
-          <a:prstGeom prst="rect">
-            <a:avLst/>
-          </a:prstGeom>
-          <a:noFill/>
-          <a:ln>
-            <a:noFill/>
-          </a:ln>
-        </p:spPr>
-      </p:pic>
-      <p:pic>
-        <p:nvPicPr>
-          <p:cNvPr id="177" name="Shape 177"/>
-          <p:cNvPicPr preferRelativeResize="0"/>
-          <p:nvPr/>
-        </p:nvPicPr>
-        <p:blipFill>
-          <a:blip r:embed="rId7">
-            <a:alphaModFix/>
-          </a:blip>
-          <a:stretch>
-            <a:fillRect/>
-          </a:stretch>
-        </p:blipFill>
-        <p:spPr>
-          <a:xfrm>
-            <a:off x="5583822" y="812562"/>
-            <a:ext cx="606842" cy="572700"/>
-          </a:xfrm>
-          <a:prstGeom prst="rect">
-            <a:avLst/>
-          </a:prstGeom>
-          <a:noFill/>
-          <a:ln>
-            <a:noFill/>
-          </a:ln>
-        </p:spPr>
-      </p:pic>
-    </p:spTree>
-  </p:cSld>
-  <p:clrMapOvr>
-    <a:masterClrMapping/>
-  </p:clrMapOvr>
-</p:sld>
-</file>
-
 <file path=ppt/slides/slide2.xml><?xml version="1.0" encoding="utf-8"?>
 <p:sld xmlns:a="http://schemas.openxmlformats.org/drawingml/2006/main" xmlns:r="http://schemas.openxmlformats.org/officeDocument/2006/relationships" xmlns:mc="http://schemas.openxmlformats.org/markup-compatibility/2006" xmlns:mv="urn:schemas-microsoft-com:mac:vml" xmlns:p="http://schemas.openxmlformats.org/presentationml/2006/main" xmlns:c="http://schemas.openxmlformats.org/drawingml/2006/chart" xmlns:dgm="http://schemas.openxmlformats.org/drawingml/2006/diagram" xmlns:o="urn:schemas-microsoft-com:office:office" xmlns:v="urn:schemas-microsoft-com:vml" xmlns:pvml="urn:schemas-microsoft-com:office:powerpoint" xmlns:com="http://schemas.openxmlformats.org/drawingml/2006/compatibility" xmlns:p14="http://schemas.microsoft.com/office/powerpoint/2010/main">
   <p:cSld>
@@ -6644,6 +4630,144 @@
       <p:sp>
         <p:nvSpPr>
           <p:cNvPr id="72" name="Shape 72"/>
+          <p:cNvSpPr/>
+          <p:nvPr/>
+        </p:nvSpPr>
+        <p:spPr>
+          <a:xfrm>
+            <a:off x="620250" y="3857625"/>
+            <a:ext cx="1679100" cy="499200"/>
+          </a:xfrm>
+          <a:prstGeom prst="rect">
+            <a:avLst/>
+          </a:prstGeom>
+          <a:solidFill>
+            <a:schemeClr val="lt2"/>
+          </a:solidFill>
+          <a:ln cap="flat" cmpd="sng" w="9525">
+            <a:solidFill>
+              <a:schemeClr val="dk2"/>
+            </a:solidFill>
+            <a:prstDash val="solid"/>
+            <a:round/>
+            <a:headEnd len="med" w="med" type="none"/>
+            <a:tailEnd len="med" w="med" type="none"/>
+          </a:ln>
+        </p:spPr>
+        <p:txBody>
+          <a:bodyPr anchorCtr="0" anchor="ctr" bIns="91425" lIns="91425" rIns="91425" tIns="91425">
+            <a:noAutofit/>
+          </a:bodyPr>
+          <a:lstStyle/>
+          <a:p>
+            <a:pPr lvl="0">
+              <a:spcBef>
+                <a:spcPts val="0"/>
+              </a:spcBef>
+              <a:buNone/>
+            </a:pPr>
+            <a:r>
+              <a:t/>
+            </a:r>
+            <a:endParaRPr/>
+          </a:p>
+        </p:txBody>
+      </p:sp>
+      <p:sp>
+        <p:nvSpPr>
+          <p:cNvPr id="73" name="Shape 73"/>
+          <p:cNvSpPr/>
+          <p:nvPr/>
+        </p:nvSpPr>
+        <p:spPr>
+          <a:xfrm>
+            <a:off x="3662150" y="3857625"/>
+            <a:ext cx="1679100" cy="499200"/>
+          </a:xfrm>
+          <a:prstGeom prst="rect">
+            <a:avLst/>
+          </a:prstGeom>
+          <a:solidFill>
+            <a:schemeClr val="lt2"/>
+          </a:solidFill>
+          <a:ln cap="flat" cmpd="sng" w="9525">
+            <a:solidFill>
+              <a:schemeClr val="dk2"/>
+            </a:solidFill>
+            <a:prstDash val="solid"/>
+            <a:round/>
+            <a:headEnd len="med" w="med" type="none"/>
+            <a:tailEnd len="med" w="med" type="none"/>
+          </a:ln>
+        </p:spPr>
+        <p:txBody>
+          <a:bodyPr anchorCtr="0" anchor="ctr" bIns="91425" lIns="91425" rIns="91425" tIns="91425">
+            <a:noAutofit/>
+          </a:bodyPr>
+          <a:lstStyle/>
+          <a:p>
+            <a:pPr lvl="0">
+              <a:spcBef>
+                <a:spcPts val="0"/>
+              </a:spcBef>
+              <a:buNone/>
+            </a:pPr>
+            <a:r>
+              <a:t/>
+            </a:r>
+            <a:endParaRPr/>
+          </a:p>
+        </p:txBody>
+      </p:sp>
+      <p:sp>
+        <p:nvSpPr>
+          <p:cNvPr id="74" name="Shape 74"/>
+          <p:cNvSpPr/>
+          <p:nvPr/>
+        </p:nvSpPr>
+        <p:spPr>
+          <a:xfrm>
+            <a:off x="6704050" y="3827375"/>
+            <a:ext cx="1679100" cy="499200"/>
+          </a:xfrm>
+          <a:prstGeom prst="rect">
+            <a:avLst/>
+          </a:prstGeom>
+          <a:solidFill>
+            <a:schemeClr val="lt2"/>
+          </a:solidFill>
+          <a:ln cap="flat" cmpd="sng" w="9525">
+            <a:solidFill>
+              <a:schemeClr val="dk2"/>
+            </a:solidFill>
+            <a:prstDash val="solid"/>
+            <a:round/>
+            <a:headEnd len="med" w="med" type="none"/>
+            <a:tailEnd len="med" w="med" type="none"/>
+          </a:ln>
+        </p:spPr>
+        <p:txBody>
+          <a:bodyPr anchorCtr="0" anchor="ctr" bIns="91425" lIns="91425" rIns="91425" tIns="91425">
+            <a:noAutofit/>
+          </a:bodyPr>
+          <a:lstStyle/>
+          <a:p>
+            <a:pPr lvl="0">
+              <a:spcBef>
+                <a:spcPts val="0"/>
+              </a:spcBef>
+              <a:buNone/>
+            </a:pPr>
+            <a:r>
+              <a:t/>
+            </a:r>
+            <a:endParaRPr/>
+          </a:p>
+        </p:txBody>
+      </p:sp>
+      <p:sp>
+        <p:nvSpPr>
+          <p:cNvPr id="75" name="Shape 75"/>
           <p:cNvSpPr txBox="1"/>
           <p:nvPr>
             <p:ph type="title"/>
@@ -6651,7 +4775,7 @@
         </p:nvSpPr>
         <p:spPr>
           <a:xfrm>
-            <a:off x="311700" y="445025"/>
+            <a:off x="159300" y="172800"/>
             <a:ext cx="8520600" cy="572700"/>
           </a:xfrm>
           <a:prstGeom prst="rect">
@@ -6664,6 +4788,279 @@
           </a:bodyPr>
           <a:lstStyle/>
           <a:p>
+            <a:pPr lvl="0" rtl="0">
+              <a:spcBef>
+                <a:spcPts val="0"/>
+              </a:spcBef>
+              <a:buNone/>
+            </a:pPr>
+            <a:r>
+              <a:rPr lang="en"/>
+              <a:t>              Neural crest: Cellular origin of NF2 </a:t>
+            </a:r>
+          </a:p>
+        </p:txBody>
+      </p:sp>
+      <p:pic>
+        <p:nvPicPr>
+          <p:cNvPr id="76" name="Shape 76"/>
+          <p:cNvPicPr preferRelativeResize="0"/>
+          <p:nvPr/>
+        </p:nvPicPr>
+        <p:blipFill rotWithShape="1">
+          <a:blip r:embed="rId3">
+            <a:alphaModFix/>
+          </a:blip>
+          <a:srcRect b="0" l="0" r="51526" t="0"/>
+          <a:stretch/>
+        </p:blipFill>
+        <p:spPr>
+          <a:xfrm>
+            <a:off x="499225" y="949750"/>
+            <a:ext cx="2229525" cy="2515850"/>
+          </a:xfrm>
+          <a:prstGeom prst="rect">
+            <a:avLst/>
+          </a:prstGeom>
+          <a:noFill/>
+          <a:ln>
+            <a:noFill/>
+          </a:ln>
+        </p:spPr>
+      </p:pic>
+      <p:pic>
+        <p:nvPicPr>
+          <p:cNvPr id="77" name="Shape 77"/>
+          <p:cNvPicPr preferRelativeResize="0"/>
+          <p:nvPr/>
+        </p:nvPicPr>
+        <p:blipFill rotWithShape="1">
+          <a:blip r:embed="rId3">
+            <a:alphaModFix/>
+          </a:blip>
+          <a:srcRect b="0" l="51526" r="0" t="0"/>
+          <a:stretch/>
+        </p:blipFill>
+        <p:spPr>
+          <a:xfrm>
+            <a:off x="3505887" y="1004625"/>
+            <a:ext cx="2132224" cy="2406075"/>
+          </a:xfrm>
+          <a:prstGeom prst="rect">
+            <a:avLst/>
+          </a:prstGeom>
+          <a:noFill/>
+          <a:ln>
+            <a:noFill/>
+          </a:ln>
+        </p:spPr>
+      </p:pic>
+      <p:pic>
+        <p:nvPicPr>
+          <p:cNvPr id="78" name="Shape 78"/>
+          <p:cNvPicPr preferRelativeResize="0"/>
+          <p:nvPr/>
+        </p:nvPicPr>
+        <p:blipFill>
+          <a:blip r:embed="rId4">
+            <a:alphaModFix/>
+          </a:blip>
+          <a:stretch>
+            <a:fillRect/>
+          </a:stretch>
+        </p:blipFill>
+        <p:spPr>
+          <a:xfrm>
+            <a:off x="6136749" y="880212"/>
+            <a:ext cx="2695550" cy="2654924"/>
+          </a:xfrm>
+          <a:prstGeom prst="rect">
+            <a:avLst/>
+          </a:prstGeom>
+          <a:noFill/>
+          <a:ln>
+            <a:noFill/>
+          </a:ln>
+        </p:spPr>
+      </p:pic>
+      <p:sp>
+        <p:nvSpPr>
+          <p:cNvPr id="79" name="Shape 79"/>
+          <p:cNvSpPr txBox="1"/>
+          <p:nvPr/>
+        </p:nvSpPr>
+        <p:spPr>
+          <a:xfrm>
+            <a:off x="635375" y="3827375"/>
+            <a:ext cx="1770000" cy="499200"/>
+          </a:xfrm>
+          <a:prstGeom prst="rect">
+            <a:avLst/>
+          </a:prstGeom>
+          <a:noFill/>
+          <a:ln>
+            <a:noFill/>
+          </a:ln>
+        </p:spPr>
+        <p:txBody>
+          <a:bodyPr anchorCtr="0" anchor="t" bIns="91425" lIns="91425" rIns="91425" tIns="91425">
+            <a:noAutofit/>
+          </a:bodyPr>
+          <a:lstStyle/>
+          <a:p>
+            <a:pPr lvl="0" rtl="0">
+              <a:spcBef>
+                <a:spcPts val="0"/>
+              </a:spcBef>
+              <a:buNone/>
+            </a:pPr>
+            <a:r>
+              <a:rPr lang="en"/>
+              <a:t>Developing embryo</a:t>
+            </a:r>
+          </a:p>
+        </p:txBody>
+      </p:sp>
+      <p:sp>
+        <p:nvSpPr>
+          <p:cNvPr id="80" name="Shape 80"/>
+          <p:cNvSpPr txBox="1"/>
+          <p:nvPr/>
+        </p:nvSpPr>
+        <p:spPr>
+          <a:xfrm>
+            <a:off x="3616700" y="3827375"/>
+            <a:ext cx="1770000" cy="499200"/>
+          </a:xfrm>
+          <a:prstGeom prst="rect">
+            <a:avLst/>
+          </a:prstGeom>
+          <a:noFill/>
+          <a:ln>
+            <a:noFill/>
+          </a:ln>
+        </p:spPr>
+        <p:txBody>
+          <a:bodyPr anchorCtr="0" anchor="t" bIns="91425" lIns="91425" rIns="91425" tIns="91425">
+            <a:noAutofit/>
+          </a:bodyPr>
+          <a:lstStyle/>
+          <a:p>
+            <a:pPr lvl="0" rtl="0" algn="ctr">
+              <a:spcBef>
+                <a:spcPts val="0"/>
+              </a:spcBef>
+              <a:buNone/>
+            </a:pPr>
+            <a:r>
+              <a:rPr lang="en"/>
+              <a:t>Normal adult neural</a:t>
+            </a:r>
+          </a:p>
+          <a:p>
+            <a:pPr lvl="0" rtl="0" algn="ctr">
+              <a:spcBef>
+                <a:spcPts val="0"/>
+              </a:spcBef>
+              <a:buNone/>
+            </a:pPr>
+            <a:r>
+              <a:rPr lang="en"/>
+              <a:t>Crest tissues </a:t>
+            </a:r>
+          </a:p>
+        </p:txBody>
+      </p:sp>
+      <p:sp>
+        <p:nvSpPr>
+          <p:cNvPr id="81" name="Shape 81"/>
+          <p:cNvSpPr txBox="1"/>
+          <p:nvPr/>
+        </p:nvSpPr>
+        <p:spPr>
+          <a:xfrm>
+            <a:off x="6598025" y="3827375"/>
+            <a:ext cx="1770000" cy="499200"/>
+          </a:xfrm>
+          <a:prstGeom prst="rect">
+            <a:avLst/>
+          </a:prstGeom>
+          <a:noFill/>
+          <a:ln>
+            <a:noFill/>
+          </a:ln>
+        </p:spPr>
+        <p:txBody>
+          <a:bodyPr anchorCtr="0" anchor="t" bIns="91425" lIns="91425" rIns="91425" tIns="91425">
+            <a:noAutofit/>
+          </a:bodyPr>
+          <a:lstStyle/>
+          <a:p>
+            <a:pPr lvl="0" rtl="0" algn="ctr">
+              <a:spcBef>
+                <a:spcPts val="0"/>
+              </a:spcBef>
+              <a:buNone/>
+            </a:pPr>
+            <a:r>
+              <a:rPr lang="en"/>
+              <a:t>N</a:t>
+            </a:r>
+            <a:r>
+              <a:rPr lang="en"/>
+              <a:t>eural crest tumor </a:t>
+            </a:r>
+          </a:p>
+        </p:txBody>
+      </p:sp>
+    </p:spTree>
+  </p:cSld>
+  <p:clrMapOvr>
+    <a:masterClrMapping/>
+  </p:clrMapOvr>
+</p:sld>
+</file>
+
+<file path=ppt/slides/slide5.xml><?xml version="1.0" encoding="utf-8"?>
+<p:sld xmlns:a="http://schemas.openxmlformats.org/drawingml/2006/main" xmlns:r="http://schemas.openxmlformats.org/officeDocument/2006/relationships" xmlns:mc="http://schemas.openxmlformats.org/markup-compatibility/2006" xmlns:mv="urn:schemas-microsoft-com:mac:vml" xmlns:p="http://schemas.openxmlformats.org/presentationml/2006/main" xmlns:c="http://schemas.openxmlformats.org/drawingml/2006/chart" xmlns:dgm="http://schemas.openxmlformats.org/drawingml/2006/diagram" xmlns:o="urn:schemas-microsoft-com:office:office" xmlns:v="urn:schemas-microsoft-com:vml" xmlns:pvml="urn:schemas-microsoft-com:office:powerpoint" xmlns:com="http://schemas.openxmlformats.org/drawingml/2006/compatibility" xmlns:p14="http://schemas.microsoft.com/office/powerpoint/2010/main">
+  <p:cSld>
+    <p:spTree>
+      <p:nvGrpSpPr>
+        <p:cNvPr id="85" name="Shape 85"/>
+        <p:cNvGrpSpPr/>
+        <p:nvPr/>
+      </p:nvGrpSpPr>
+      <p:grpSpPr>
+        <a:xfrm>
+          <a:off x="0" y="0"/>
+          <a:ext cx="0" cy="0"/>
+          <a:chOff x="0" y="0"/>
+          <a:chExt cx="0" cy="0"/>
+        </a:xfrm>
+      </p:grpSpPr>
+      <p:sp>
+        <p:nvSpPr>
+          <p:cNvPr id="86" name="Shape 86"/>
+          <p:cNvSpPr txBox="1"/>
+          <p:nvPr>
+            <p:ph type="title"/>
+          </p:nvPr>
+        </p:nvSpPr>
+        <p:spPr>
+          <a:xfrm>
+            <a:off x="311700" y="445025"/>
+            <a:ext cx="8520600" cy="572700"/>
+          </a:xfrm>
+          <a:prstGeom prst="rect">
+            <a:avLst/>
+          </a:prstGeom>
+        </p:spPr>
+        <p:txBody>
+          <a:bodyPr anchorCtr="0" anchor="t" bIns="91425" lIns="91425" rIns="91425" tIns="91425">
+            <a:noAutofit/>
+          </a:bodyPr>
+          <a:lstStyle/>
+          <a:p>
             <a:pPr lvl="0">
               <a:spcBef>
                 <a:spcPts val="0"/>
@@ -6679,7 +5076,7 @@
       </p:sp>
       <p:sp>
         <p:nvSpPr>
-          <p:cNvPr id="73" name="Shape 73"/>
+          <p:cNvPr id="87" name="Shape 87"/>
           <p:cNvSpPr txBox="1"/>
           <p:nvPr>
             <p:ph idx="1" type="body"/>
@@ -6858,417 +5255,6 @@
                 <a:srgbClr val="0000FF"/>
               </a:solidFill>
             </a:endParaRPr>
-          </a:p>
-        </p:txBody>
-      </p:sp>
-    </p:spTree>
-  </p:cSld>
-  <p:clrMapOvr>
-    <a:masterClrMapping/>
-  </p:clrMapOvr>
-</p:sld>
-</file>
-
-<file path=ppt/slides/slide5.xml><?xml version="1.0" encoding="utf-8"?>
-<p:sld xmlns:a="http://schemas.openxmlformats.org/drawingml/2006/main" xmlns:r="http://schemas.openxmlformats.org/officeDocument/2006/relationships" xmlns:mc="http://schemas.openxmlformats.org/markup-compatibility/2006" xmlns:mv="urn:schemas-microsoft-com:mac:vml" xmlns:p="http://schemas.openxmlformats.org/presentationml/2006/main" xmlns:c="http://schemas.openxmlformats.org/drawingml/2006/chart" xmlns:dgm="http://schemas.openxmlformats.org/drawingml/2006/diagram" xmlns:o="urn:schemas-microsoft-com:office:office" xmlns:v="urn:schemas-microsoft-com:vml" xmlns:pvml="urn:schemas-microsoft-com:office:powerpoint" xmlns:com="http://schemas.openxmlformats.org/drawingml/2006/compatibility" xmlns:p14="http://schemas.microsoft.com/office/powerpoint/2010/main">
-  <p:cSld>
-    <p:spTree>
-      <p:nvGrpSpPr>
-        <p:cNvPr id="77" name="Shape 77"/>
-        <p:cNvGrpSpPr/>
-        <p:nvPr/>
-      </p:nvGrpSpPr>
-      <p:grpSpPr>
-        <a:xfrm>
-          <a:off x="0" y="0"/>
-          <a:ext cx="0" cy="0"/>
-          <a:chOff x="0" y="0"/>
-          <a:chExt cx="0" cy="0"/>
-        </a:xfrm>
-      </p:grpSpPr>
-      <p:sp>
-        <p:nvSpPr>
-          <p:cNvPr id="78" name="Shape 78"/>
-          <p:cNvSpPr/>
-          <p:nvPr/>
-        </p:nvSpPr>
-        <p:spPr>
-          <a:xfrm>
-            <a:off x="620250" y="3857625"/>
-            <a:ext cx="1679100" cy="499200"/>
-          </a:xfrm>
-          <a:prstGeom prst="rect">
-            <a:avLst/>
-          </a:prstGeom>
-          <a:solidFill>
-            <a:schemeClr val="lt2"/>
-          </a:solidFill>
-          <a:ln cap="flat" cmpd="sng" w="9525">
-            <a:solidFill>
-              <a:schemeClr val="dk2"/>
-            </a:solidFill>
-            <a:prstDash val="solid"/>
-            <a:round/>
-            <a:headEnd len="med" w="med" type="none"/>
-            <a:tailEnd len="med" w="med" type="none"/>
-          </a:ln>
-        </p:spPr>
-        <p:txBody>
-          <a:bodyPr anchorCtr="0" anchor="ctr" bIns="91425" lIns="91425" rIns="91425" tIns="91425">
-            <a:noAutofit/>
-          </a:bodyPr>
-          <a:lstStyle/>
-          <a:p>
-            <a:pPr lvl="0">
-              <a:spcBef>
-                <a:spcPts val="0"/>
-              </a:spcBef>
-              <a:buNone/>
-            </a:pPr>
-            <a:r>
-              <a:t/>
-            </a:r>
-            <a:endParaRPr/>
-          </a:p>
-        </p:txBody>
-      </p:sp>
-      <p:sp>
-        <p:nvSpPr>
-          <p:cNvPr id="79" name="Shape 79"/>
-          <p:cNvSpPr/>
-          <p:nvPr/>
-        </p:nvSpPr>
-        <p:spPr>
-          <a:xfrm>
-            <a:off x="3662150" y="3857625"/>
-            <a:ext cx="1679100" cy="499200"/>
-          </a:xfrm>
-          <a:prstGeom prst="rect">
-            <a:avLst/>
-          </a:prstGeom>
-          <a:solidFill>
-            <a:schemeClr val="lt2"/>
-          </a:solidFill>
-          <a:ln cap="flat" cmpd="sng" w="9525">
-            <a:solidFill>
-              <a:schemeClr val="dk2"/>
-            </a:solidFill>
-            <a:prstDash val="solid"/>
-            <a:round/>
-            <a:headEnd len="med" w="med" type="none"/>
-            <a:tailEnd len="med" w="med" type="none"/>
-          </a:ln>
-        </p:spPr>
-        <p:txBody>
-          <a:bodyPr anchorCtr="0" anchor="ctr" bIns="91425" lIns="91425" rIns="91425" tIns="91425">
-            <a:noAutofit/>
-          </a:bodyPr>
-          <a:lstStyle/>
-          <a:p>
-            <a:pPr lvl="0">
-              <a:spcBef>
-                <a:spcPts val="0"/>
-              </a:spcBef>
-              <a:buNone/>
-            </a:pPr>
-            <a:r>
-              <a:t/>
-            </a:r>
-            <a:endParaRPr/>
-          </a:p>
-        </p:txBody>
-      </p:sp>
-      <p:sp>
-        <p:nvSpPr>
-          <p:cNvPr id="80" name="Shape 80"/>
-          <p:cNvSpPr/>
-          <p:nvPr/>
-        </p:nvSpPr>
-        <p:spPr>
-          <a:xfrm>
-            <a:off x="6704050" y="3827375"/>
-            <a:ext cx="1679100" cy="499200"/>
-          </a:xfrm>
-          <a:prstGeom prst="rect">
-            <a:avLst/>
-          </a:prstGeom>
-          <a:solidFill>
-            <a:schemeClr val="lt2"/>
-          </a:solidFill>
-          <a:ln cap="flat" cmpd="sng" w="9525">
-            <a:solidFill>
-              <a:schemeClr val="dk2"/>
-            </a:solidFill>
-            <a:prstDash val="solid"/>
-            <a:round/>
-            <a:headEnd len="med" w="med" type="none"/>
-            <a:tailEnd len="med" w="med" type="none"/>
-          </a:ln>
-        </p:spPr>
-        <p:txBody>
-          <a:bodyPr anchorCtr="0" anchor="ctr" bIns="91425" lIns="91425" rIns="91425" tIns="91425">
-            <a:noAutofit/>
-          </a:bodyPr>
-          <a:lstStyle/>
-          <a:p>
-            <a:pPr lvl="0">
-              <a:spcBef>
-                <a:spcPts val="0"/>
-              </a:spcBef>
-              <a:buNone/>
-            </a:pPr>
-            <a:r>
-              <a:t/>
-            </a:r>
-            <a:endParaRPr/>
-          </a:p>
-        </p:txBody>
-      </p:sp>
-      <p:sp>
-        <p:nvSpPr>
-          <p:cNvPr id="81" name="Shape 81"/>
-          <p:cNvSpPr txBox="1"/>
-          <p:nvPr>
-            <p:ph type="title"/>
-          </p:nvPr>
-        </p:nvSpPr>
-        <p:spPr>
-          <a:xfrm>
-            <a:off x="159300" y="172800"/>
-            <a:ext cx="8520600" cy="572700"/>
-          </a:xfrm>
-          <a:prstGeom prst="rect">
-            <a:avLst/>
-          </a:prstGeom>
-        </p:spPr>
-        <p:txBody>
-          <a:bodyPr anchorCtr="0" anchor="t" bIns="91425" lIns="91425" rIns="91425" tIns="91425">
-            <a:noAutofit/>
-          </a:bodyPr>
-          <a:lstStyle/>
-          <a:p>
-            <a:pPr lvl="0" rtl="0">
-              <a:spcBef>
-                <a:spcPts val="0"/>
-              </a:spcBef>
-              <a:buNone/>
-            </a:pPr>
-            <a:r>
-              <a:rPr lang="en"/>
-              <a:t>              Neural crest: Cellular origin of NF2 </a:t>
-            </a:r>
-          </a:p>
-        </p:txBody>
-      </p:sp>
-      <p:pic>
-        <p:nvPicPr>
-          <p:cNvPr id="82" name="Shape 82"/>
-          <p:cNvPicPr preferRelativeResize="0"/>
-          <p:nvPr/>
-        </p:nvPicPr>
-        <p:blipFill rotWithShape="1">
-          <a:blip r:embed="rId3">
-            <a:alphaModFix/>
-          </a:blip>
-          <a:srcRect b="0" l="0" r="51526" t="0"/>
-          <a:stretch/>
-        </p:blipFill>
-        <p:spPr>
-          <a:xfrm>
-            <a:off x="499225" y="949750"/>
-            <a:ext cx="2229525" cy="2515850"/>
-          </a:xfrm>
-          <a:prstGeom prst="rect">
-            <a:avLst/>
-          </a:prstGeom>
-          <a:noFill/>
-          <a:ln>
-            <a:noFill/>
-          </a:ln>
-        </p:spPr>
-      </p:pic>
-      <p:pic>
-        <p:nvPicPr>
-          <p:cNvPr id="83" name="Shape 83"/>
-          <p:cNvPicPr preferRelativeResize="0"/>
-          <p:nvPr/>
-        </p:nvPicPr>
-        <p:blipFill rotWithShape="1">
-          <a:blip r:embed="rId3">
-            <a:alphaModFix/>
-          </a:blip>
-          <a:srcRect b="0" l="51526" r="0" t="0"/>
-          <a:stretch/>
-        </p:blipFill>
-        <p:spPr>
-          <a:xfrm>
-            <a:off x="3505887" y="1004625"/>
-            <a:ext cx="2132224" cy="2406075"/>
-          </a:xfrm>
-          <a:prstGeom prst="rect">
-            <a:avLst/>
-          </a:prstGeom>
-          <a:noFill/>
-          <a:ln>
-            <a:noFill/>
-          </a:ln>
-        </p:spPr>
-      </p:pic>
-      <p:pic>
-        <p:nvPicPr>
-          <p:cNvPr id="84" name="Shape 84"/>
-          <p:cNvPicPr preferRelativeResize="0"/>
-          <p:nvPr/>
-        </p:nvPicPr>
-        <p:blipFill>
-          <a:blip r:embed="rId4">
-            <a:alphaModFix/>
-          </a:blip>
-          <a:stretch>
-            <a:fillRect/>
-          </a:stretch>
-        </p:blipFill>
-        <p:spPr>
-          <a:xfrm>
-            <a:off x="6136749" y="880212"/>
-            <a:ext cx="2695550" cy="2654924"/>
-          </a:xfrm>
-          <a:prstGeom prst="rect">
-            <a:avLst/>
-          </a:prstGeom>
-          <a:noFill/>
-          <a:ln>
-            <a:noFill/>
-          </a:ln>
-        </p:spPr>
-      </p:pic>
-      <p:sp>
-        <p:nvSpPr>
-          <p:cNvPr id="85" name="Shape 85"/>
-          <p:cNvSpPr txBox="1"/>
-          <p:nvPr/>
-        </p:nvSpPr>
-        <p:spPr>
-          <a:xfrm>
-            <a:off x="635375" y="3827375"/>
-            <a:ext cx="1770000" cy="499200"/>
-          </a:xfrm>
-          <a:prstGeom prst="rect">
-            <a:avLst/>
-          </a:prstGeom>
-          <a:noFill/>
-          <a:ln>
-            <a:noFill/>
-          </a:ln>
-        </p:spPr>
-        <p:txBody>
-          <a:bodyPr anchorCtr="0" anchor="t" bIns="91425" lIns="91425" rIns="91425" tIns="91425">
-            <a:noAutofit/>
-          </a:bodyPr>
-          <a:lstStyle/>
-          <a:p>
-            <a:pPr lvl="0" rtl="0">
-              <a:spcBef>
-                <a:spcPts val="0"/>
-              </a:spcBef>
-              <a:buNone/>
-            </a:pPr>
-            <a:r>
-              <a:rPr lang="en"/>
-              <a:t>Developing embryo</a:t>
-            </a:r>
-          </a:p>
-        </p:txBody>
-      </p:sp>
-      <p:sp>
-        <p:nvSpPr>
-          <p:cNvPr id="86" name="Shape 86"/>
-          <p:cNvSpPr txBox="1"/>
-          <p:nvPr/>
-        </p:nvSpPr>
-        <p:spPr>
-          <a:xfrm>
-            <a:off x="3616700" y="3827375"/>
-            <a:ext cx="1770000" cy="499200"/>
-          </a:xfrm>
-          <a:prstGeom prst="rect">
-            <a:avLst/>
-          </a:prstGeom>
-          <a:noFill/>
-          <a:ln>
-            <a:noFill/>
-          </a:ln>
-        </p:spPr>
-        <p:txBody>
-          <a:bodyPr anchorCtr="0" anchor="t" bIns="91425" lIns="91425" rIns="91425" tIns="91425">
-            <a:noAutofit/>
-          </a:bodyPr>
-          <a:lstStyle/>
-          <a:p>
-            <a:pPr lvl="0" rtl="0" algn="ctr">
-              <a:spcBef>
-                <a:spcPts val="0"/>
-              </a:spcBef>
-              <a:buNone/>
-            </a:pPr>
-            <a:r>
-              <a:rPr lang="en"/>
-              <a:t>Normal adult neural</a:t>
-            </a:r>
-          </a:p>
-          <a:p>
-            <a:pPr lvl="0" rtl="0" algn="ctr">
-              <a:spcBef>
-                <a:spcPts val="0"/>
-              </a:spcBef>
-              <a:buNone/>
-            </a:pPr>
-            <a:r>
-              <a:rPr lang="en"/>
-              <a:t>Crest tissues </a:t>
-            </a:r>
-          </a:p>
-        </p:txBody>
-      </p:sp>
-      <p:sp>
-        <p:nvSpPr>
-          <p:cNvPr id="87" name="Shape 87"/>
-          <p:cNvSpPr txBox="1"/>
-          <p:nvPr/>
-        </p:nvSpPr>
-        <p:spPr>
-          <a:xfrm>
-            <a:off x="6598025" y="3827375"/>
-            <a:ext cx="1770000" cy="499200"/>
-          </a:xfrm>
-          <a:prstGeom prst="rect">
-            <a:avLst/>
-          </a:prstGeom>
-          <a:noFill/>
-          <a:ln>
-            <a:noFill/>
-          </a:ln>
-        </p:spPr>
-        <p:txBody>
-          <a:bodyPr anchorCtr="0" anchor="t" bIns="91425" lIns="91425" rIns="91425" tIns="91425">
-            <a:noAutofit/>
-          </a:bodyPr>
-          <a:lstStyle/>
-          <a:p>
-            <a:pPr lvl="0" rtl="0" algn="ctr">
-              <a:spcBef>
-                <a:spcPts val="0"/>
-              </a:spcBef>
-              <a:buNone/>
-            </a:pPr>
-            <a:r>
-              <a:rPr lang="en"/>
-              <a:t>N</a:t>
-            </a:r>
-            <a:r>
-              <a:rPr lang="en"/>
-              <a:t>eural crest tumor </a:t>
-            </a:r>
           </a:p>
         </p:txBody>
       </p:sp>
@@ -8222,9 +6208,9 @@
               <a:buNone/>
             </a:pPr>
             <a:r>
-              <a:t/>
+              <a:rPr lang="en"/>
+              <a:t>Conclusion</a:t>
             </a:r>
-            <a:endParaRPr/>
           </a:p>
         </p:txBody>
       </p:sp>
@@ -8251,233 +6237,110 @@
           </a:bodyPr>
           <a:lstStyle/>
           <a:p>
-            <a:pPr lvl="0">
-              <a:spcBef>
-                <a:spcPts val="0"/>
-              </a:spcBef>
-              <a:buNone/>
-            </a:pPr>
-            <a:r>
-              <a:t/>
-            </a:r>
-            <a:endParaRPr/>
-          </a:p>
-        </p:txBody>
-      </p:sp>
-    </p:spTree>
-  </p:cSld>
-  <p:clrMapOvr>
-    <a:masterClrMapping/>
-  </p:clrMapOvr>
-</p:sld>
-</file>
-
-<file path=ppt/slides/slide8.xml><?xml version="1.0" encoding="utf-8"?>
-<p:sld xmlns:a="http://schemas.openxmlformats.org/drawingml/2006/main" xmlns:r="http://schemas.openxmlformats.org/officeDocument/2006/relationships" xmlns:mc="http://schemas.openxmlformats.org/markup-compatibility/2006" xmlns:mv="urn:schemas-microsoft-com:mac:vml" xmlns:p="http://schemas.openxmlformats.org/presentationml/2006/main" xmlns:c="http://schemas.openxmlformats.org/drawingml/2006/chart" xmlns:dgm="http://schemas.openxmlformats.org/drawingml/2006/diagram" xmlns:o="urn:schemas-microsoft-com:office:office" xmlns:v="urn:schemas-microsoft-com:vml" xmlns:pvml="urn:schemas-microsoft-com:office:powerpoint" xmlns:com="http://schemas.openxmlformats.org/drawingml/2006/compatibility" xmlns:p14="http://schemas.microsoft.com/office/powerpoint/2010/main">
-  <p:cSld>
-    <p:spTree>
-      <p:nvGrpSpPr>
-        <p:cNvPr id="123" name="Shape 123"/>
-        <p:cNvGrpSpPr/>
-        <p:nvPr/>
-      </p:nvGrpSpPr>
-      <p:grpSpPr>
-        <a:xfrm>
-          <a:off x="0" y="0"/>
-          <a:ext cx="0" cy="0"/>
-          <a:chOff x="0" y="0"/>
-          <a:chExt cx="0" cy="0"/>
-        </a:xfrm>
-      </p:grpSpPr>
-      <p:sp>
-        <p:nvSpPr>
-          <p:cNvPr id="124" name="Shape 124"/>
-          <p:cNvSpPr txBox="1"/>
-          <p:nvPr>
-            <p:ph type="title"/>
-          </p:nvPr>
-        </p:nvSpPr>
-        <p:spPr>
-          <a:xfrm>
-            <a:off x="311700" y="445025"/>
-            <a:ext cx="8520600" cy="572700"/>
-          </a:xfrm>
-          <a:prstGeom prst="rect">
-            <a:avLst/>
-          </a:prstGeom>
-        </p:spPr>
-        <p:txBody>
-          <a:bodyPr anchorCtr="0" anchor="t" bIns="91425" lIns="91425" rIns="91425" tIns="91425">
-            <a:noAutofit/>
-          </a:bodyPr>
-          <a:lstStyle/>
-          <a:p>
-            <a:pPr lvl="0">
-              <a:spcBef>
-                <a:spcPts val="0"/>
-              </a:spcBef>
-              <a:buNone/>
-            </a:pPr>
-            <a:r>
-              <a:t/>
-            </a:r>
-            <a:endParaRPr/>
-          </a:p>
-        </p:txBody>
-      </p:sp>
-      <p:sp>
-        <p:nvSpPr>
-          <p:cNvPr id="125" name="Shape 125"/>
-          <p:cNvSpPr txBox="1"/>
-          <p:nvPr>
-            <p:ph idx="1" type="body"/>
-          </p:nvPr>
-        </p:nvSpPr>
-        <p:spPr>
-          <a:xfrm>
-            <a:off x="311700" y="1152475"/>
-            <a:ext cx="8520600" cy="3416400"/>
-          </a:xfrm>
-          <a:prstGeom prst="rect">
-            <a:avLst/>
-          </a:prstGeom>
-        </p:spPr>
-        <p:txBody>
-          <a:bodyPr anchorCtr="0" anchor="t" bIns="91425" lIns="91425" rIns="91425" tIns="91425">
-            <a:noAutofit/>
-          </a:bodyPr>
-          <a:lstStyle/>
-          <a:p>
-            <a:pPr lvl="0">
-              <a:spcBef>
-                <a:spcPts val="0"/>
-              </a:spcBef>
-              <a:buNone/>
-            </a:pPr>
-            <a:r>
-              <a:t/>
-            </a:r>
-            <a:endParaRPr/>
-          </a:p>
-        </p:txBody>
-      </p:sp>
-    </p:spTree>
-  </p:cSld>
-  <p:clrMapOvr>
-    <a:masterClrMapping/>
-  </p:clrMapOvr>
-</p:sld>
-</file>
-
-<file path=ppt/slides/slide9.xml><?xml version="1.0" encoding="utf-8"?>
-<p:sld xmlns:a="http://schemas.openxmlformats.org/drawingml/2006/main" xmlns:r="http://schemas.openxmlformats.org/officeDocument/2006/relationships" xmlns:mc="http://schemas.openxmlformats.org/markup-compatibility/2006" xmlns:mv="urn:schemas-microsoft-com:mac:vml" xmlns:p="http://schemas.openxmlformats.org/presentationml/2006/main" xmlns:c="http://schemas.openxmlformats.org/drawingml/2006/chart" xmlns:dgm="http://schemas.openxmlformats.org/drawingml/2006/diagram" xmlns:o="urn:schemas-microsoft-com:office:office" xmlns:v="urn:schemas-microsoft-com:vml" xmlns:pvml="urn:schemas-microsoft-com:office:powerpoint" xmlns:com="http://schemas.openxmlformats.org/drawingml/2006/compatibility" xmlns:p14="http://schemas.microsoft.com/office/powerpoint/2010/main">
-  <p:cSld>
-    <p:spTree>
-      <p:nvGrpSpPr>
-        <p:cNvPr id="129" name="Shape 129"/>
-        <p:cNvGrpSpPr/>
-        <p:nvPr/>
-      </p:nvGrpSpPr>
-      <p:grpSpPr>
-        <a:xfrm>
-          <a:off x="0" y="0"/>
-          <a:ext cx="0" cy="0"/>
-          <a:chOff x="0" y="0"/>
-          <a:chExt cx="0" cy="0"/>
-        </a:xfrm>
-      </p:grpSpPr>
-      <p:sp>
-        <p:nvSpPr>
-          <p:cNvPr id="130" name="Shape 130"/>
-          <p:cNvSpPr txBox="1"/>
-          <p:nvPr>
-            <p:ph type="title"/>
-          </p:nvPr>
-        </p:nvSpPr>
-        <p:spPr>
-          <a:xfrm>
-            <a:off x="311700" y="445025"/>
-            <a:ext cx="9330600" cy="514800"/>
-          </a:xfrm>
-          <a:prstGeom prst="rect">
-            <a:avLst/>
-          </a:prstGeom>
-        </p:spPr>
-        <p:txBody>
-          <a:bodyPr anchorCtr="0" anchor="t" bIns="91425" lIns="91425" rIns="91425" tIns="91425">
-            <a:noAutofit/>
-          </a:bodyPr>
-          <a:lstStyle/>
-          <a:p>
-            <a:pPr lvl="0">
-              <a:spcBef>
-                <a:spcPts val="0"/>
-              </a:spcBef>
-              <a:buNone/>
+            <a:pPr indent="-228600" lvl="0" marL="457200" rtl="0">
+              <a:spcBef>
+                <a:spcPts val="0"/>
+              </a:spcBef>
             </a:pPr>
             <a:r>
               <a:rPr lang="en"/>
-              <a:t>What is the problem/ unmet need that we are solving?</a:t>
+              <a:t>Our team is an awesome blend of backgrounds: </a:t>
             </a:r>
           </a:p>
-        </p:txBody>
-      </p:sp>
-      <p:sp>
-        <p:nvSpPr>
-          <p:cNvPr id="131" name="Shape 131"/>
-          <p:cNvSpPr txBox="1"/>
-          <p:nvPr>
-            <p:ph idx="1" type="body"/>
-          </p:nvPr>
-        </p:nvSpPr>
-        <p:spPr>
-          <a:xfrm>
-            <a:off x="311700" y="1267100"/>
-            <a:ext cx="8520600" cy="514800"/>
-          </a:xfrm>
-          <a:prstGeom prst="rect">
-            <a:avLst/>
-          </a:prstGeom>
-        </p:spPr>
-        <p:txBody>
-          <a:bodyPr anchorCtr="0" anchor="t" bIns="91425" lIns="91425" rIns="91425" tIns="91425">
-            <a:noAutofit/>
-          </a:bodyPr>
-          <a:lstStyle/>
-          <a:p>
-            <a:pPr lvl="0">
-              <a:spcBef>
-                <a:spcPts val="0"/>
-              </a:spcBef>
-              <a:buNone/>
+          <a:p>
+            <a:pPr indent="-228600" lvl="1" marL="914400" rtl="0">
+              <a:spcBef>
+                <a:spcPts val="0"/>
+              </a:spcBef>
             </a:pPr>
             <a:r>
               <a:rPr lang="en"/>
-              <a:t>What are the regulatory network and gene expression changes that occur in NF2 disease? Can we leverage these to find new drug targets?</a:t>
+              <a:t>1 biologist, </a:t>
             </a:r>
-          </a:p>
-          <a:p>
-            <a:pPr lvl="0">
-              <a:spcBef>
-                <a:spcPts val="0"/>
-              </a:spcBef>
-              <a:buNone/>
-            </a:pPr>
             <a:r>
               <a:rPr lang="en"/>
-              <a:t>Mutation in the NF2 gene does not always cause NF2 </a:t>
+              <a:t>1 medical student, </a:t>
             </a:r>
-          </a:p>
-          <a:p>
-            <a:pPr lvl="0">
-              <a:spcBef>
-                <a:spcPts val="0"/>
-              </a:spcBef>
-              <a:buNone/>
-            </a:pPr>
             <a:r>
               <a:rPr lang="en"/>
-              <a:t>Why is that ? and what else is/ are the contributing factors ? </a:t>
+              <a:t>1 bioinformatician, 2 computer scientists, 1 distributed systems expert, </a:t>
+            </a:r>
+          </a:p>
+          <a:p>
+            <a:pPr indent="-228600" lvl="1" marL="914400" rtl="0">
+              <a:spcBef>
+                <a:spcPts val="0"/>
+              </a:spcBef>
+            </a:pPr>
+            <a:r>
+              <a:rPr lang="en"/>
+              <a:t>This led to a highly optimized pipeline: </a:t>
+            </a:r>
+          </a:p>
+          <a:p>
+            <a:pPr indent="-228600" lvl="2" marL="1371600" rtl="0">
+              <a:spcBef>
+                <a:spcPts val="0"/>
+              </a:spcBef>
+            </a:pPr>
+            <a:r>
+              <a:rPr lang="en"/>
+              <a:t>82 RNA-seq datasets in 12 hours (instead of 5 days)</a:t>
+            </a:r>
+          </a:p>
+          <a:p>
+            <a:pPr indent="-228600" lvl="0" marL="457200" rtl="0">
+              <a:spcBef>
+                <a:spcPts val="0"/>
+              </a:spcBef>
+            </a:pPr>
+            <a:r>
+              <a:rPr lang="en"/>
+              <a:t>NCBI/SRA datasets can be leveraged to understand rare disease mechanisms</a:t>
+            </a:r>
+          </a:p>
+          <a:p>
+            <a:pPr indent="-228600" lvl="0" marL="457200" rtl="0">
+              <a:spcBef>
+                <a:spcPts val="0"/>
+              </a:spcBef>
+            </a:pPr>
+            <a:r>
+              <a:rPr lang="en"/>
+              <a:t>ML can (should) be used to solve genomics problems</a:t>
+            </a:r>
+          </a:p>
+          <a:p>
+            <a:pPr indent="-228600" lvl="0" marL="457200" rtl="0">
+              <a:spcBef>
+                <a:spcPts val="0"/>
+              </a:spcBef>
+            </a:pPr>
+            <a:r>
+              <a:rPr lang="en"/>
+              <a:t>Next steps:</a:t>
+            </a:r>
+          </a:p>
+          <a:p>
+            <a:pPr indent="-228600" lvl="1" marL="914400" rtl="0">
+              <a:spcBef>
+                <a:spcPts val="0"/>
+              </a:spcBef>
+            </a:pPr>
+            <a:r>
+              <a:rPr lang="en"/>
+              <a:t>Analyze VCF files from Ono and his sibling to identify SNPs and correlate differences with our transcriptional data</a:t>
+            </a:r>
+          </a:p>
+          <a:p>
+            <a:pPr indent="-228600" lvl="1" marL="914400" rtl="0">
+              <a:spcBef>
+                <a:spcPts val="0"/>
+              </a:spcBef>
+            </a:pPr>
+            <a:r>
+              <a:rPr lang="en"/>
+              <a:t>Find candidate genetic pathways responsible for his NF2</a:t>
             </a:r>
           </a:p>
         </p:txBody>
@@ -8491,6 +6354,285 @@
 </file>
 
 <file path=ppt/theme/theme1.xml><?xml version="1.0" encoding="utf-8"?>
+<a:theme xmlns:a="http://schemas.openxmlformats.org/drawingml/2006/main" xmlns:r="http://schemas.openxmlformats.org/officeDocument/2006/relationships" name="simple-light-2">
+  <a:themeElements>
+    <a:clrScheme name="Simple Light">
+      <a:dk1>
+        <a:srgbClr val="000000"/>
+      </a:dk1>
+      <a:lt1>
+        <a:srgbClr val="FFFFFF"/>
+      </a:lt1>
+      <a:dk2>
+        <a:srgbClr val="595959"/>
+      </a:dk2>
+      <a:lt2>
+        <a:srgbClr val="EEEEEE"/>
+      </a:lt2>
+      <a:accent1>
+        <a:srgbClr val="FFAB40"/>
+      </a:accent1>
+      <a:accent2>
+        <a:srgbClr val="212121"/>
+      </a:accent2>
+      <a:accent3>
+        <a:srgbClr val="78909C"/>
+      </a:accent3>
+      <a:accent4>
+        <a:srgbClr val="FFAB40"/>
+      </a:accent4>
+      <a:accent5>
+        <a:srgbClr val="0097A7"/>
+      </a:accent5>
+      <a:accent6>
+        <a:srgbClr val="EEFF41"/>
+      </a:accent6>
+      <a:hlink>
+        <a:srgbClr val="0097A7"/>
+      </a:hlink>
+      <a:folHlink>
+        <a:srgbClr val="0097A7"/>
+      </a:folHlink>
+    </a:clrScheme>
+    <a:fontScheme name="Office">
+      <a:majorFont>
+        <a:latin typeface="Arial"/>
+        <a:ea typeface=""/>
+        <a:cs typeface=""/>
+        <a:font script="Jpan" typeface="ＭＳ Ｐゴシック"/>
+        <a:font script="Hang" typeface="맑은 고딕"/>
+        <a:font script="Hans" typeface="宋体"/>
+        <a:font script="Hant" typeface="新細明體"/>
+        <a:font script="Arab" typeface="Times New Roman"/>
+        <a:font script="Hebr" typeface="Times New Roman"/>
+        <a:font script="Thai" typeface="Angsana New"/>
+        <a:font script="Ethi" typeface="Nyala"/>
+        <a:font script="Beng" typeface="Vrinda"/>
+        <a:font script="Gujr" typeface="Shruti"/>
+        <a:font script="Khmr" typeface="MoolBoran"/>
+        <a:font script="Knda" typeface="Tunga"/>
+        <a:font script="Guru" typeface="Raavi"/>
+        <a:font script="Cans" typeface="Euphemia"/>
+        <a:font script="Cher" typeface="Plantagenet Cherokee"/>
+        <a:font script="Yiii" typeface="Microsoft Yi Baiti"/>
+        <a:font script="Tibt" typeface="Microsoft Himalaya"/>
+        <a:font script="Thaa" typeface="MV Boli"/>
+        <a:font script="Deva" typeface="Mangal"/>
+        <a:font script="Telu" typeface="Gautami"/>
+        <a:font script="Taml" typeface="Latha"/>
+        <a:font script="Syrc" typeface="Estrangelo Edessa"/>
+        <a:font script="Orya" typeface="Kalinga"/>
+        <a:font script="Mlym" typeface="Kartika"/>
+        <a:font script="Laoo" typeface="DokChampa"/>
+        <a:font script="Sinh" typeface="Iskoola Pota"/>
+        <a:font script="Mong" typeface="Mongolian Baiti"/>
+        <a:font script="Viet" typeface="Times New Roman"/>
+        <a:font script="Uigh" typeface="Microsoft Uighur"/>
+        <a:font script="Geor" typeface="Sylfaen"/>
+      </a:majorFont>
+      <a:minorFont>
+        <a:latin typeface="Arial"/>
+        <a:ea typeface=""/>
+        <a:cs typeface=""/>
+        <a:font script="Jpan" typeface="ＭＳ Ｐゴシック"/>
+        <a:font script="Hang" typeface="맑은 고딕"/>
+        <a:font script="Hans" typeface="宋体"/>
+        <a:font script="Hant" typeface="新細明體"/>
+        <a:font script="Arab" typeface="Arial"/>
+        <a:font script="Hebr" typeface="Arial"/>
+        <a:font script="Thai" typeface="Cordia New"/>
+        <a:font script="Ethi" typeface="Nyala"/>
+        <a:font script="Beng" typeface="Vrinda"/>
+        <a:font script="Gujr" typeface="Shruti"/>
+        <a:font script="Khmr" typeface="DaunPenh"/>
+        <a:font script="Knda" typeface="Tunga"/>
+        <a:font script="Guru" typeface="Raavi"/>
+        <a:font script="Cans" typeface="Euphemia"/>
+        <a:font script="Cher" typeface="Plantagenet Cherokee"/>
+        <a:font script="Yiii" typeface="Microsoft Yi Baiti"/>
+        <a:font script="Tibt" typeface="Microsoft Himalaya"/>
+        <a:font script="Thaa" typeface="MV Boli"/>
+        <a:font script="Deva" typeface="Mangal"/>
+        <a:font script="Telu" typeface="Gautami"/>
+        <a:font script="Taml" typeface="Latha"/>
+        <a:font script="Syrc" typeface="Estrangelo Edessa"/>
+        <a:font script="Orya" typeface="Kalinga"/>
+        <a:font script="Mlym" typeface="Kartika"/>
+        <a:font script="Laoo" typeface="DokChampa"/>
+        <a:font script="Sinh" typeface="Iskoola Pota"/>
+        <a:font script="Mong" typeface="Mongolian Baiti"/>
+        <a:font script="Viet" typeface="Arial"/>
+        <a:font script="Uigh" typeface="Microsoft Uighur"/>
+        <a:font script="Geor" typeface="Sylfaen"/>
+      </a:minorFont>
+    </a:fontScheme>
+    <a:fmtScheme name="Office">
+      <a:fillStyleLst>
+        <a:solidFill>
+          <a:schemeClr val="phClr"/>
+        </a:solidFill>
+        <a:gradFill rotWithShape="1">
+          <a:gsLst>
+            <a:gs pos="0">
+              <a:schemeClr val="phClr">
+                <a:tint val="50000"/>
+                <a:satMod val="300000"/>
+              </a:schemeClr>
+            </a:gs>
+            <a:gs pos="35000">
+              <a:schemeClr val="phClr">
+                <a:tint val="37000"/>
+                <a:satMod val="300000"/>
+              </a:schemeClr>
+            </a:gs>
+            <a:gs pos="100000">
+              <a:schemeClr val="phClr">
+                <a:tint val="15000"/>
+                <a:satMod val="350000"/>
+              </a:schemeClr>
+            </a:gs>
+          </a:gsLst>
+          <a:lin ang="16200000" scaled="1"/>
+        </a:gradFill>
+        <a:gradFill rotWithShape="1">
+          <a:gsLst>
+            <a:gs pos="0">
+              <a:schemeClr val="phClr">
+                <a:tint val="100000"/>
+                <a:shade val="100000"/>
+                <a:satMod val="130000"/>
+              </a:schemeClr>
+            </a:gs>
+            <a:gs pos="100000">
+              <a:schemeClr val="phClr">
+                <a:tint val="50000"/>
+                <a:shade val="100000"/>
+                <a:satMod val="350000"/>
+              </a:schemeClr>
+            </a:gs>
+          </a:gsLst>
+          <a:lin ang="16200000" scaled="0"/>
+        </a:gradFill>
+      </a:fillStyleLst>
+      <a:lnStyleLst>
+        <a:ln w="9525" cap="flat" cmpd="sng" algn="ctr">
+          <a:solidFill>
+            <a:schemeClr val="phClr">
+              <a:shade val="95000"/>
+              <a:satMod val="105000"/>
+            </a:schemeClr>
+          </a:solidFill>
+          <a:prstDash val="solid"/>
+        </a:ln>
+        <a:ln w="25400" cap="flat" cmpd="sng" algn="ctr">
+          <a:solidFill>
+            <a:schemeClr val="phClr"/>
+          </a:solidFill>
+          <a:prstDash val="solid"/>
+        </a:ln>
+        <a:ln w="38100" cap="flat" cmpd="sng" algn="ctr">
+          <a:solidFill>
+            <a:schemeClr val="phClr"/>
+          </a:solidFill>
+          <a:prstDash val="solid"/>
+        </a:ln>
+      </a:lnStyleLst>
+      <a:effectStyleLst>
+        <a:effectStyle>
+          <a:effectLst>
+            <a:outerShdw blurRad="40000" dist="20000" dir="5400000" rotWithShape="0">
+              <a:srgbClr val="000000">
+                <a:alpha val="38000"/>
+              </a:srgbClr>
+            </a:outerShdw>
+          </a:effectLst>
+        </a:effectStyle>
+        <a:effectStyle>
+          <a:effectLst>
+            <a:outerShdw blurRad="40000" dist="23000" dir="5400000" rotWithShape="0">
+              <a:srgbClr val="000000">
+                <a:alpha val="35000"/>
+              </a:srgbClr>
+            </a:outerShdw>
+          </a:effectLst>
+        </a:effectStyle>
+        <a:effectStyle>
+          <a:effectLst>
+            <a:outerShdw blurRad="40000" dist="23000" dir="5400000" rotWithShape="0">
+              <a:srgbClr val="000000">
+                <a:alpha val="35000"/>
+              </a:srgbClr>
+            </a:outerShdw>
+          </a:effectLst>
+          <a:scene3d>
+            <a:camera prst="orthographicFront">
+              <a:rot lat="0" lon="0" rev="0"/>
+            </a:camera>
+            <a:lightRig rig="threePt" dir="t">
+              <a:rot lat="0" lon="0" rev="1200000"/>
+            </a:lightRig>
+          </a:scene3d>
+          <a:sp3d>
+            <a:bevelT w="63500" h="25400"/>
+          </a:sp3d>
+        </a:effectStyle>
+      </a:effectStyleLst>
+      <a:bgFillStyleLst>
+        <a:solidFill>
+          <a:schemeClr val="phClr"/>
+        </a:solidFill>
+        <a:gradFill rotWithShape="1">
+          <a:gsLst>
+            <a:gs pos="0">
+              <a:schemeClr val="phClr">
+                <a:tint val="40000"/>
+                <a:satMod val="350000"/>
+              </a:schemeClr>
+            </a:gs>
+            <a:gs pos="40000">
+              <a:schemeClr val="phClr">
+                <a:tint val="45000"/>
+                <a:shade val="99000"/>
+                <a:satMod val="350000"/>
+              </a:schemeClr>
+            </a:gs>
+            <a:gs pos="100000">
+              <a:schemeClr val="phClr">
+                <a:shade val="20000"/>
+                <a:satMod val="255000"/>
+              </a:schemeClr>
+            </a:gs>
+          </a:gsLst>
+          <a:path path="circle">
+            <a:fillToRect l="50000" t="-80000" r="50000" b="180000"/>
+          </a:path>
+        </a:gradFill>
+        <a:gradFill rotWithShape="1">
+          <a:gsLst>
+            <a:gs pos="0">
+              <a:schemeClr val="phClr">
+                <a:tint val="80000"/>
+                <a:satMod val="300000"/>
+              </a:schemeClr>
+            </a:gs>
+            <a:gs pos="100000">
+              <a:schemeClr val="phClr">
+                <a:shade val="30000"/>
+                <a:satMod val="200000"/>
+              </a:schemeClr>
+            </a:gs>
+          </a:gsLst>
+          <a:path path="circle">
+            <a:fillToRect l="50000" t="50000" r="50000" b="50000"/>
+          </a:path>
+        </a:gradFill>
+      </a:bgFillStyleLst>
+    </a:fmtScheme>
+  </a:themeElements>
+</a:theme>
+</file>
+
+<file path=ppt/theme/theme2.xml><?xml version="1.0" encoding="utf-8"?>
 <a:theme xmlns:a="http://schemas.openxmlformats.org/drawingml/2006/main" xmlns:r="http://schemas.openxmlformats.org/officeDocument/2006/relationships" name="Custom Theme">
   <a:themeElements>
     <a:clrScheme name="Default">
@@ -8767,283 +6909,4 @@
     </a:fmtScheme>
   </a:themeElements>
 </a:theme>
-</file>
-
-<file path=ppt/theme/theme2.xml><?xml version="1.0" encoding="utf-8"?>
-<a:theme xmlns:a="http://schemas.openxmlformats.org/drawingml/2006/main" xmlns:r="http://schemas.openxmlformats.org/officeDocument/2006/relationships" name="simple-light-2">
-  <a:themeElements>
-    <a:clrScheme name="Simple Light">
-      <a:dk1>
-        <a:srgbClr val="000000"/>
-      </a:dk1>
-      <a:lt1>
-        <a:srgbClr val="FFFFFF"/>
-      </a:lt1>
-      <a:dk2>
-        <a:srgbClr val="595959"/>
-      </a:dk2>
-      <a:lt2>
-        <a:srgbClr val="EEEEEE"/>
-      </a:lt2>
-      <a:accent1>
-        <a:srgbClr val="FFAB40"/>
-      </a:accent1>
-      <a:accent2>
-        <a:srgbClr val="212121"/>
-      </a:accent2>
-      <a:accent3>
-        <a:srgbClr val="78909C"/>
-      </a:accent3>
-      <a:accent4>
-        <a:srgbClr val="FFAB40"/>
-      </a:accent4>
-      <a:accent5>
-        <a:srgbClr val="0097A7"/>
-      </a:accent5>
-      <a:accent6>
-        <a:srgbClr val="EEFF41"/>
-      </a:accent6>
-      <a:hlink>
-        <a:srgbClr val="0097A7"/>
-      </a:hlink>
-      <a:folHlink>
-        <a:srgbClr val="0097A7"/>
-      </a:folHlink>
-    </a:clrScheme>
-    <a:fontScheme name="Office">
-      <a:majorFont>
-        <a:latin typeface="Arial"/>
-        <a:ea typeface=""/>
-        <a:cs typeface=""/>
-        <a:font script="Jpan" typeface="ＭＳ Ｐゴシック"/>
-        <a:font script="Hang" typeface="맑은 고딕"/>
-        <a:font script="Hans" typeface="宋体"/>
-        <a:font script="Hant" typeface="新細明體"/>
-        <a:font script="Arab" typeface="Times New Roman"/>
-        <a:font script="Hebr" typeface="Times New Roman"/>
-        <a:font script="Thai" typeface="Angsana New"/>
-        <a:font script="Ethi" typeface="Nyala"/>
-        <a:font script="Beng" typeface="Vrinda"/>
-        <a:font script="Gujr" typeface="Shruti"/>
-        <a:font script="Khmr" typeface="MoolBoran"/>
-        <a:font script="Knda" typeface="Tunga"/>
-        <a:font script="Guru" typeface="Raavi"/>
-        <a:font script="Cans" typeface="Euphemia"/>
-        <a:font script="Cher" typeface="Plantagenet Cherokee"/>
-        <a:font script="Yiii" typeface="Microsoft Yi Baiti"/>
-        <a:font script="Tibt" typeface="Microsoft Himalaya"/>
-        <a:font script="Thaa" typeface="MV Boli"/>
-        <a:font script="Deva" typeface="Mangal"/>
-        <a:font script="Telu" typeface="Gautami"/>
-        <a:font script="Taml" typeface="Latha"/>
-        <a:font script="Syrc" typeface="Estrangelo Edessa"/>
-        <a:font script="Orya" typeface="Kalinga"/>
-        <a:font script="Mlym" typeface="Kartika"/>
-        <a:font script="Laoo" typeface="DokChampa"/>
-        <a:font script="Sinh" typeface="Iskoola Pota"/>
-        <a:font script="Mong" typeface="Mongolian Baiti"/>
-        <a:font script="Viet" typeface="Times New Roman"/>
-        <a:font script="Uigh" typeface="Microsoft Uighur"/>
-        <a:font script="Geor" typeface="Sylfaen"/>
-      </a:majorFont>
-      <a:minorFont>
-        <a:latin typeface="Arial"/>
-        <a:ea typeface=""/>
-        <a:cs typeface=""/>
-        <a:font script="Jpan" typeface="ＭＳ Ｐゴシック"/>
-        <a:font script="Hang" typeface="맑은 고딕"/>
-        <a:font script="Hans" typeface="宋体"/>
-        <a:font script="Hant" typeface="新細明體"/>
-        <a:font script="Arab" typeface="Arial"/>
-        <a:font script="Hebr" typeface="Arial"/>
-        <a:font script="Thai" typeface="Cordia New"/>
-        <a:font script="Ethi" typeface="Nyala"/>
-        <a:font script="Beng" typeface="Vrinda"/>
-        <a:font script="Gujr" typeface="Shruti"/>
-        <a:font script="Khmr" typeface="DaunPenh"/>
-        <a:font script="Knda" typeface="Tunga"/>
-        <a:font script="Guru" typeface="Raavi"/>
-        <a:font script="Cans" typeface="Euphemia"/>
-        <a:font script="Cher" typeface="Plantagenet Cherokee"/>
-        <a:font script="Yiii" typeface="Microsoft Yi Baiti"/>
-        <a:font script="Tibt" typeface="Microsoft Himalaya"/>
-        <a:font script="Thaa" typeface="MV Boli"/>
-        <a:font script="Deva" typeface="Mangal"/>
-        <a:font script="Telu" typeface="Gautami"/>
-        <a:font script="Taml" typeface="Latha"/>
-        <a:font script="Syrc" typeface="Estrangelo Edessa"/>
-        <a:font script="Orya" typeface="Kalinga"/>
-        <a:font script="Mlym" typeface="Kartika"/>
-        <a:font script="Laoo" typeface="DokChampa"/>
-        <a:font script="Sinh" typeface="Iskoola Pota"/>
-        <a:font script="Mong" typeface="Mongolian Baiti"/>
-        <a:font script="Viet" typeface="Arial"/>
-        <a:font script="Uigh" typeface="Microsoft Uighur"/>
-        <a:font script="Geor" typeface="Sylfaen"/>
-      </a:minorFont>
-    </a:fontScheme>
-    <a:fmtScheme name="Office">
-      <a:fillStyleLst>
-        <a:solidFill>
-          <a:schemeClr val="phClr"/>
-        </a:solidFill>
-        <a:gradFill rotWithShape="1">
-          <a:gsLst>
-            <a:gs pos="0">
-              <a:schemeClr val="phClr">
-                <a:tint val="50000"/>
-                <a:satMod val="300000"/>
-              </a:schemeClr>
-            </a:gs>
-            <a:gs pos="35000">
-              <a:schemeClr val="phClr">
-                <a:tint val="37000"/>
-                <a:satMod val="300000"/>
-              </a:schemeClr>
-            </a:gs>
-            <a:gs pos="100000">
-              <a:schemeClr val="phClr">
-                <a:tint val="15000"/>
-                <a:satMod val="350000"/>
-              </a:schemeClr>
-            </a:gs>
-          </a:gsLst>
-          <a:lin ang="16200000" scaled="1"/>
-        </a:gradFill>
-        <a:gradFill rotWithShape="1">
-          <a:gsLst>
-            <a:gs pos="0">
-              <a:schemeClr val="phClr">
-                <a:tint val="100000"/>
-                <a:shade val="100000"/>
-                <a:satMod val="130000"/>
-              </a:schemeClr>
-            </a:gs>
-            <a:gs pos="100000">
-              <a:schemeClr val="phClr">
-                <a:tint val="50000"/>
-                <a:shade val="100000"/>
-                <a:satMod val="350000"/>
-              </a:schemeClr>
-            </a:gs>
-          </a:gsLst>
-          <a:lin ang="16200000" scaled="0"/>
-        </a:gradFill>
-      </a:fillStyleLst>
-      <a:lnStyleLst>
-        <a:ln w="9525" cap="flat" cmpd="sng" algn="ctr">
-          <a:solidFill>
-            <a:schemeClr val="phClr">
-              <a:shade val="95000"/>
-              <a:satMod val="105000"/>
-            </a:schemeClr>
-          </a:solidFill>
-          <a:prstDash val="solid"/>
-        </a:ln>
-        <a:ln w="25400" cap="flat" cmpd="sng" algn="ctr">
-          <a:solidFill>
-            <a:schemeClr val="phClr"/>
-          </a:solidFill>
-          <a:prstDash val="solid"/>
-        </a:ln>
-        <a:ln w="38100" cap="flat" cmpd="sng" algn="ctr">
-          <a:solidFill>
-            <a:schemeClr val="phClr"/>
-          </a:solidFill>
-          <a:prstDash val="solid"/>
-        </a:ln>
-      </a:lnStyleLst>
-      <a:effectStyleLst>
-        <a:effectStyle>
-          <a:effectLst>
-            <a:outerShdw blurRad="40000" dist="20000" dir="5400000" rotWithShape="0">
-              <a:srgbClr val="000000">
-                <a:alpha val="38000"/>
-              </a:srgbClr>
-            </a:outerShdw>
-          </a:effectLst>
-        </a:effectStyle>
-        <a:effectStyle>
-          <a:effectLst>
-            <a:outerShdw blurRad="40000" dist="23000" dir="5400000" rotWithShape="0">
-              <a:srgbClr val="000000">
-                <a:alpha val="35000"/>
-              </a:srgbClr>
-            </a:outerShdw>
-          </a:effectLst>
-        </a:effectStyle>
-        <a:effectStyle>
-          <a:effectLst>
-            <a:outerShdw blurRad="40000" dist="23000" dir="5400000" rotWithShape="0">
-              <a:srgbClr val="000000">
-                <a:alpha val="35000"/>
-              </a:srgbClr>
-            </a:outerShdw>
-          </a:effectLst>
-          <a:scene3d>
-            <a:camera prst="orthographicFront">
-              <a:rot lat="0" lon="0" rev="0"/>
-            </a:camera>
-            <a:lightRig rig="threePt" dir="t">
-              <a:rot lat="0" lon="0" rev="1200000"/>
-            </a:lightRig>
-          </a:scene3d>
-          <a:sp3d>
-            <a:bevelT w="63500" h="25400"/>
-          </a:sp3d>
-        </a:effectStyle>
-      </a:effectStyleLst>
-      <a:bgFillStyleLst>
-        <a:solidFill>
-          <a:schemeClr val="phClr"/>
-        </a:solidFill>
-        <a:gradFill rotWithShape="1">
-          <a:gsLst>
-            <a:gs pos="0">
-              <a:schemeClr val="phClr">
-                <a:tint val="40000"/>
-                <a:satMod val="350000"/>
-              </a:schemeClr>
-            </a:gs>
-            <a:gs pos="40000">
-              <a:schemeClr val="phClr">
-                <a:tint val="45000"/>
-                <a:shade val="99000"/>
-                <a:satMod val="350000"/>
-              </a:schemeClr>
-            </a:gs>
-            <a:gs pos="100000">
-              <a:schemeClr val="phClr">
-                <a:shade val="20000"/>
-                <a:satMod val="255000"/>
-              </a:schemeClr>
-            </a:gs>
-          </a:gsLst>
-          <a:path path="circle">
-            <a:fillToRect l="50000" t="-80000" r="50000" b="180000"/>
-          </a:path>
-        </a:gradFill>
-        <a:gradFill rotWithShape="1">
-          <a:gsLst>
-            <a:gs pos="0">
-              <a:schemeClr val="phClr">
-                <a:tint val="80000"/>
-                <a:satMod val="300000"/>
-              </a:schemeClr>
-            </a:gs>
-            <a:gs pos="100000">
-              <a:schemeClr val="phClr">
-                <a:shade val="30000"/>
-                <a:satMod val="200000"/>
-              </a:schemeClr>
-            </a:gs>
-          </a:gsLst>
-          <a:path path="circle">
-            <a:fillToRect l="50000" t="50000" r="50000" b="50000"/>
-          </a:path>
-        </a:gradFill>
-      </a:bgFillStyleLst>
-    </a:fmtScheme>
-  </a:themeElements>
-</a:theme>
 </file>